--- a/fordcs-docs/EDUp FORDCS-V1.0 Project-v2022.04/1_EDUp FORDCS-V1.0 Planning.v2022.04.pptx
+++ b/fordcs-docs/EDUp FORDCS-V1.0 Project-v2022.04/1_EDUp FORDCS-V1.0 Planning.v2022.04.pptx
@@ -5,7 +5,7 @@
     <p:sldMasterId id="2147483678" r:id="rId1"/>
   </p:sldMasterIdLst>
   <p:notesMasterIdLst>
-    <p:notesMasterId r:id="rId19"/>
+    <p:notesMasterId r:id="rId16"/>
   </p:notesMasterIdLst>
   <p:sldIdLst>
     <p:sldId id="256" r:id="rId2"/>
@@ -15,16 +15,13 @@
     <p:sldId id="284" r:id="rId6"/>
     <p:sldId id="285" r:id="rId7"/>
     <p:sldId id="286" r:id="rId8"/>
-    <p:sldId id="293" r:id="rId9"/>
-    <p:sldId id="279" r:id="rId10"/>
-    <p:sldId id="283" r:id="rId11"/>
-    <p:sldId id="288" r:id="rId12"/>
-    <p:sldId id="289" r:id="rId13"/>
-    <p:sldId id="277" r:id="rId14"/>
-    <p:sldId id="276" r:id="rId15"/>
-    <p:sldId id="282" r:id="rId16"/>
-    <p:sldId id="275" r:id="rId17"/>
-    <p:sldId id="258" r:id="rId18"/>
+    <p:sldId id="279" r:id="rId9"/>
+    <p:sldId id="283" r:id="rId10"/>
+    <p:sldId id="288" r:id="rId11"/>
+    <p:sldId id="289" r:id="rId12"/>
+    <p:sldId id="277" r:id="rId13"/>
+    <p:sldId id="282" r:id="rId14"/>
+    <p:sldId id="258" r:id="rId15"/>
   </p:sldIdLst>
   <p:sldSz cx="12192000" cy="6858000"/>
   <p:notesSz cx="6858000" cy="9144000"/>
@@ -213,7 +210,7 @@
           <a:p>
             <a:fld id="{0FB65B1D-0B4F-42DA-B687-0A1FF4D55594}" type="datetimeFigureOut">
               <a:rPr lang="en-US" smtClean="0"/>
-              <a:t>5/4/2022</a:t>
+              <a:t>5/20/2022</a:t>
             </a:fld>
             <a:endParaRPr lang="en-US"/>
           </a:p>
@@ -524,11 +521,7 @@
           <a:bodyPr/>
           <a:lstStyle/>
           <a:p>
-            <a:pPr marL="0" indent="0">
-              <a:buFont typeface="Wingdings" panose="05000000000000000000" pitchFamily="2" charset="2"/>
-              <a:buNone/>
-            </a:pPr>
-            <a:endParaRPr lang="en-US" dirty="0"/>
+            <a:endParaRPr lang="en-US"/>
           </a:p>
         </p:txBody>
       </p:sp>
@@ -549,7 +542,7 @@
           <a:p>
             <a:fld id="{8BE31F96-AF5B-45BD-A909-E56D059985B9}" type="slidenum">
               <a:rPr lang="en-US" smtClean="0"/>
-              <a:t>7</a:t>
+              <a:t>3</a:t>
             </a:fld>
             <a:endParaRPr lang="en-US"/>
           </a:p>
@@ -558,7 +551,7 @@
     </p:spTree>
     <p:extLst>
       <p:ext uri="{BB962C8B-B14F-4D97-AF65-F5344CB8AC3E}">
-        <p14:creationId xmlns:p14="http://schemas.microsoft.com/office/powerpoint/2010/main" val="2938040830"/>
+        <p14:creationId xmlns:p14="http://schemas.microsoft.com/office/powerpoint/2010/main" val="306536581"/>
       </p:ext>
     </p:extLst>
   </p:cSld>
@@ -612,6 +605,89 @@
           <a:bodyPr/>
           <a:lstStyle/>
           <a:p>
+            <a:r>
+              <a:rPr lang="en-US" dirty="0"/>
+              <a:t>The technical scope of a software project defines the technical boundaries of the project, such as</a:t>
+            </a:r>
+          </a:p>
+          <a:p>
+            <a:pPr marL="171450" indent="-171450">
+              <a:buFont typeface="Arial" panose="020B0604020202020204" pitchFamily="34" charset="0"/>
+              <a:buChar char="•"/>
+            </a:pPr>
+            <a:r>
+              <a:rPr lang="en-US" dirty="0"/>
+              <a:t>Result definition – what technical functionality is provided / what not – technical characteristics &amp; features (narrative)</a:t>
+            </a:r>
+          </a:p>
+          <a:p>
+            <a:pPr marL="171450" indent="-171450">
+              <a:buFont typeface="Arial" panose="020B0604020202020204" pitchFamily="34" charset="0"/>
+              <a:buChar char="•"/>
+            </a:pPr>
+            <a:r>
+              <a:rPr lang="en-US" dirty="0"/>
+              <a:t>What is inside / what is outside of the system – illustrated physical environment</a:t>
+            </a:r>
+          </a:p>
+          <a:p>
+            <a:pPr marL="171450" indent="-171450">
+              <a:buFont typeface="Arial" panose="020B0604020202020204" pitchFamily="34" charset="0"/>
+              <a:buChar char="•"/>
+            </a:pPr>
+            <a:r>
+              <a:rPr lang="en-US" dirty="0"/>
+              <a:t>Development environment - 3</a:t>
+            </a:r>
+            <a:r>
+              <a:rPr lang="en-US" baseline="30000" dirty="0"/>
+              <a:t>rd</a:t>
+            </a:r>
+            <a:r>
+              <a:rPr lang="en-US" dirty="0"/>
+              <a:t> party products to use</a:t>
+            </a:r>
+          </a:p>
+          <a:p>
+            <a:pPr marL="171450" indent="-171450">
+              <a:buFont typeface="Arial" panose="020B0604020202020204" pitchFamily="34" charset="0"/>
+              <a:buChar char="•"/>
+            </a:pPr>
+            <a:r>
+              <a:rPr lang="en-US" dirty="0"/>
+              <a:t>Deployment environment </a:t>
+            </a:r>
+          </a:p>
+          <a:p>
+            <a:pPr marL="171450" indent="-171450">
+              <a:buFont typeface="Arial" panose="020B0604020202020204" pitchFamily="34" charset="0"/>
+              <a:buChar char="•"/>
+            </a:pPr>
+            <a:r>
+              <a:rPr lang="en-US" dirty="0"/>
+              <a:t>3</a:t>
+            </a:r>
+            <a:r>
+              <a:rPr lang="en-US" baseline="30000" dirty="0"/>
+              <a:t>rd</a:t>
+            </a:r>
+            <a:r>
+              <a:rPr lang="en-US" dirty="0"/>
+              <a:t> party products to integrate/utilize</a:t>
+            </a:r>
+          </a:p>
+          <a:p>
+            <a:pPr marL="171450" indent="-171450">
+              <a:buFont typeface="Arial" panose="020B0604020202020204" pitchFamily="34" charset="0"/>
+              <a:buChar char="•"/>
+            </a:pPr>
+            <a:endParaRPr lang="en-US" dirty="0"/>
+          </a:p>
+          <a:p>
+            <a:pPr marL="171450" indent="-171450">
+              <a:buFont typeface="Arial" panose="020B0604020202020204" pitchFamily="34" charset="0"/>
+              <a:buChar char="•"/>
+            </a:pPr>
             <a:endParaRPr lang="en-US" dirty="0"/>
           </a:p>
         </p:txBody>
@@ -633,7 +709,7 @@
           <a:p>
             <a:fld id="{8BE31F96-AF5B-45BD-A909-E56D059985B9}" type="slidenum">
               <a:rPr lang="en-US" smtClean="0"/>
-              <a:t>8</a:t>
+              <a:t>6</a:t>
             </a:fld>
             <a:endParaRPr lang="en-US"/>
           </a:p>
@@ -642,7 +718,7 @@
     </p:spTree>
     <p:extLst>
       <p:ext uri="{BB962C8B-B14F-4D97-AF65-F5344CB8AC3E}">
-        <p14:creationId xmlns:p14="http://schemas.microsoft.com/office/powerpoint/2010/main" val="3014120923"/>
+        <p14:creationId xmlns:p14="http://schemas.microsoft.com/office/powerpoint/2010/main" val="3000403442"/>
       </p:ext>
     </p:extLst>
   </p:cSld>
@@ -696,6 +772,10 @@
           <a:bodyPr/>
           <a:lstStyle/>
           <a:p>
+            <a:pPr marL="0" indent="0">
+              <a:buFont typeface="Wingdings" panose="05000000000000000000" pitchFamily="2" charset="2"/>
+              <a:buNone/>
+            </a:pPr>
             <a:endParaRPr lang="en-US" dirty="0"/>
           </a:p>
         </p:txBody>
@@ -717,7 +797,91 @@
           <a:p>
             <a:fld id="{8BE31F96-AF5B-45BD-A909-E56D059985B9}" type="slidenum">
               <a:rPr lang="en-US" smtClean="0"/>
-              <a:t>9</a:t>
+              <a:t>7</a:t>
+            </a:fld>
+            <a:endParaRPr lang="en-US"/>
+          </a:p>
+        </p:txBody>
+      </p:sp>
+    </p:spTree>
+    <p:extLst>
+      <p:ext uri="{BB962C8B-B14F-4D97-AF65-F5344CB8AC3E}">
+        <p14:creationId xmlns:p14="http://schemas.microsoft.com/office/powerpoint/2010/main" val="2938040830"/>
+      </p:ext>
+    </p:extLst>
+  </p:cSld>
+  <p:clrMapOvr>
+    <a:masterClrMapping/>
+  </p:clrMapOvr>
+</p:notes>
+</file>
+
+<file path=ppt/notesSlides/notesSlide4.xml><?xml version="1.0" encoding="utf-8"?>
+<p:notes xmlns:a="http://schemas.openxmlformats.org/drawingml/2006/main" xmlns:r="http://schemas.openxmlformats.org/officeDocument/2006/relationships" xmlns:p="http://schemas.openxmlformats.org/presentationml/2006/main">
+  <p:cSld>
+    <p:spTree>
+      <p:nvGrpSpPr>
+        <p:cNvPr id="1" name=""/>
+        <p:cNvGrpSpPr/>
+        <p:nvPr/>
+      </p:nvGrpSpPr>
+      <p:grpSpPr>
+        <a:xfrm>
+          <a:off x="0" y="0"/>
+          <a:ext cx="0" cy="0"/>
+          <a:chOff x="0" y="0"/>
+          <a:chExt cx="0" cy="0"/>
+        </a:xfrm>
+      </p:grpSpPr>
+      <p:sp>
+        <p:nvSpPr>
+          <p:cNvPr id="2" name="Slide Image Placeholder 1"/>
+          <p:cNvSpPr>
+            <a:spLocks noGrp="1" noRot="1" noChangeAspect="1"/>
+          </p:cNvSpPr>
+          <p:nvPr>
+            <p:ph type="sldImg"/>
+          </p:nvPr>
+        </p:nvSpPr>
+        <p:spPr/>
+      </p:sp>
+      <p:sp>
+        <p:nvSpPr>
+          <p:cNvPr id="3" name="Notes Placeholder 2"/>
+          <p:cNvSpPr>
+            <a:spLocks noGrp="1"/>
+          </p:cNvSpPr>
+          <p:nvPr>
+            <p:ph type="body" idx="1"/>
+          </p:nvPr>
+        </p:nvSpPr>
+        <p:spPr/>
+        <p:txBody>
+          <a:bodyPr/>
+          <a:lstStyle/>
+          <a:p>
+            <a:endParaRPr lang="en-US" dirty="0"/>
+          </a:p>
+        </p:txBody>
+      </p:sp>
+      <p:sp>
+        <p:nvSpPr>
+          <p:cNvPr id="4" name="Slide Number Placeholder 3"/>
+          <p:cNvSpPr>
+            <a:spLocks noGrp="1"/>
+          </p:cNvSpPr>
+          <p:nvPr>
+            <p:ph type="sldNum" sz="quarter" idx="5"/>
+          </p:nvPr>
+        </p:nvSpPr>
+        <p:spPr/>
+        <p:txBody>
+          <a:bodyPr/>
+          <a:lstStyle/>
+          <a:p>
+            <a:fld id="{8BE31F96-AF5B-45BD-A909-E56D059985B9}" type="slidenum">
+              <a:rPr lang="en-US" smtClean="0"/>
+              <a:t>8</a:t>
             </a:fld>
             <a:endParaRPr lang="en-US"/>
           </a:p>
@@ -883,7 +1047,7 @@
           <a:p>
             <a:fld id="{44545C9C-B697-4804-AB64-643E534EC228}" type="datetimeFigureOut">
               <a:rPr lang="en-US" smtClean="0"/>
-              <a:t>5/4/2022</a:t>
+              <a:t>5/20/2022</a:t>
             </a:fld>
             <a:endParaRPr lang="en-US"/>
           </a:p>
@@ -1081,7 +1245,7 @@
           <a:p>
             <a:fld id="{44545C9C-B697-4804-AB64-643E534EC228}" type="datetimeFigureOut">
               <a:rPr lang="en-US" smtClean="0"/>
-              <a:t>5/4/2022</a:t>
+              <a:t>5/20/2022</a:t>
             </a:fld>
             <a:endParaRPr lang="en-US"/>
           </a:p>
@@ -1289,7 +1453,7 @@
           <a:p>
             <a:fld id="{44545C9C-B697-4804-AB64-643E534EC228}" type="datetimeFigureOut">
               <a:rPr lang="en-US" smtClean="0"/>
-              <a:t>5/4/2022</a:t>
+              <a:t>5/20/2022</a:t>
             </a:fld>
             <a:endParaRPr lang="en-US"/>
           </a:p>
@@ -1476,7 +1640,7 @@
           <a:p>
             <a:fld id="{44545C9C-B697-4804-AB64-643E534EC228}" type="datetimeFigureOut">
               <a:rPr lang="en-US" smtClean="0"/>
-              <a:t>5/4/2022</a:t>
+              <a:t>5/20/2022</a:t>
             </a:fld>
             <a:endParaRPr lang="en-US"/>
           </a:p>
@@ -1662,7 +1826,7 @@
           <a:p>
             <a:fld id="{44545C9C-B697-4804-AB64-643E534EC228}" type="datetimeFigureOut">
               <a:rPr lang="en-US" smtClean="0"/>
-              <a:t>5/4/2022</a:t>
+              <a:t>5/20/2022</a:t>
             </a:fld>
             <a:endParaRPr lang="en-US"/>
           </a:p>
@@ -1937,7 +2101,7 @@
           <a:p>
             <a:fld id="{44545C9C-B697-4804-AB64-643E534EC228}" type="datetimeFigureOut">
               <a:rPr lang="en-US" smtClean="0"/>
-              <a:t>5/4/2022</a:t>
+              <a:t>5/20/2022</a:t>
             </a:fld>
             <a:endParaRPr lang="en-US"/>
           </a:p>
@@ -2202,7 +2366,7 @@
           <a:p>
             <a:fld id="{44545C9C-B697-4804-AB64-643E534EC228}" type="datetimeFigureOut">
               <a:rPr lang="en-US" smtClean="0"/>
-              <a:t>5/4/2022</a:t>
+              <a:t>5/20/2022</a:t>
             </a:fld>
             <a:endParaRPr lang="en-US"/>
           </a:p>
@@ -2614,7 +2778,7 @@
           <a:p>
             <a:fld id="{44545C9C-B697-4804-AB64-643E534EC228}" type="datetimeFigureOut">
               <a:rPr lang="en-US" smtClean="0"/>
-              <a:t>5/4/2022</a:t>
+              <a:t>5/20/2022</a:t>
             </a:fld>
             <a:endParaRPr lang="en-US"/>
           </a:p>
@@ -2755,7 +2919,7 @@
           <a:p>
             <a:fld id="{44545C9C-B697-4804-AB64-643E534EC228}" type="datetimeFigureOut">
               <a:rPr lang="en-US" smtClean="0"/>
-              <a:t>5/4/2022</a:t>
+              <a:t>5/20/2022</a:t>
             </a:fld>
             <a:endParaRPr lang="en-US"/>
           </a:p>
@@ -2868,7 +3032,7 @@
           <a:p>
             <a:fld id="{44545C9C-B697-4804-AB64-643E534EC228}" type="datetimeFigureOut">
               <a:rPr lang="en-US" smtClean="0"/>
-              <a:t>5/4/2022</a:t>
+              <a:t>5/20/2022</a:t>
             </a:fld>
             <a:endParaRPr lang="en-US"/>
           </a:p>
@@ -3179,7 +3343,7 @@
           <a:p>
             <a:fld id="{44545C9C-B697-4804-AB64-643E534EC228}" type="datetimeFigureOut">
               <a:rPr lang="en-US" smtClean="0"/>
-              <a:t>5/4/2022</a:t>
+              <a:t>5/20/2022</a:t>
             </a:fld>
             <a:endParaRPr lang="en-US"/>
           </a:p>
@@ -3467,7 +3631,7 @@
           <a:p>
             <a:fld id="{44545C9C-B697-4804-AB64-643E534EC228}" type="datetimeFigureOut">
               <a:rPr lang="en-US" smtClean="0"/>
-              <a:t>5/4/2022</a:t>
+              <a:t>5/20/2022</a:t>
             </a:fld>
             <a:endParaRPr lang="en-US"/>
           </a:p>
@@ -3708,7 +3872,7 @@
           <a:p>
             <a:fld id="{44545C9C-B697-4804-AB64-643E534EC228}" type="datetimeFigureOut">
               <a:rPr lang="en-US" smtClean="0"/>
-              <a:t>5/4/2022</a:t>
+              <a:t>5/20/2022</a:t>
             </a:fld>
             <a:endParaRPr lang="en-US"/>
           </a:p>
@@ -6522,7 +6686,7 @@
           <a:p>
             <a:r>
               <a:rPr lang="en-US" dirty="0"/>
-              <a:t>Additional Considerations</a:t>
+              <a:t>Project References</a:t>
             </a:r>
           </a:p>
         </p:txBody>
@@ -6548,89 +6712,6 @@
           <a:bodyPr/>
           <a:lstStyle/>
           <a:p>
-            <a:endParaRPr lang="en-US"/>
-          </a:p>
-        </p:txBody>
-      </p:sp>
-    </p:spTree>
-    <p:extLst>
-      <p:ext uri="{BB962C8B-B14F-4D97-AF65-F5344CB8AC3E}">
-        <p14:creationId xmlns:p14="http://schemas.microsoft.com/office/powerpoint/2010/main" val="217788147"/>
-      </p:ext>
-    </p:extLst>
-  </p:cSld>
-  <p:clrMapOvr>
-    <a:masterClrMapping/>
-  </p:clrMapOvr>
-</p:sld>
-</file>
-
-<file path=ppt/slides/slide11.xml><?xml version="1.0" encoding="utf-8"?>
-<p:sld xmlns:a="http://schemas.openxmlformats.org/drawingml/2006/main" xmlns:r="http://schemas.openxmlformats.org/officeDocument/2006/relationships" xmlns:p="http://schemas.openxmlformats.org/presentationml/2006/main">
-  <p:cSld>
-    <p:spTree>
-      <p:nvGrpSpPr>
-        <p:cNvPr id="1" name=""/>
-        <p:cNvGrpSpPr/>
-        <p:nvPr/>
-      </p:nvGrpSpPr>
-      <p:grpSpPr>
-        <a:xfrm>
-          <a:off x="0" y="0"/>
-          <a:ext cx="0" cy="0"/>
-          <a:chOff x="0" y="0"/>
-          <a:chExt cx="0" cy="0"/>
-        </a:xfrm>
-      </p:grpSpPr>
-      <p:sp>
-        <p:nvSpPr>
-          <p:cNvPr id="4" name="Title 3">
-            <a:extLst>
-              <a:ext uri="{FF2B5EF4-FFF2-40B4-BE49-F238E27FC236}">
-                <a16:creationId xmlns:a16="http://schemas.microsoft.com/office/drawing/2014/main" id="{D5CDEF2B-EEF2-46CE-B9CE-2968635BFF21}"/>
-              </a:ext>
-            </a:extLst>
-          </p:cNvPr>
-          <p:cNvSpPr>
-            <a:spLocks noGrp="1"/>
-          </p:cNvSpPr>
-          <p:nvPr>
-            <p:ph type="title"/>
-          </p:nvPr>
-        </p:nvSpPr>
-        <p:spPr/>
-        <p:txBody>
-          <a:bodyPr/>
-          <a:lstStyle/>
-          <a:p>
-            <a:r>
-              <a:rPr lang="en-US" dirty="0"/>
-              <a:t>Project References</a:t>
-            </a:r>
-          </a:p>
-        </p:txBody>
-      </p:sp>
-      <p:sp>
-        <p:nvSpPr>
-          <p:cNvPr id="5" name="Content Placeholder 4">
-            <a:extLst>
-              <a:ext uri="{FF2B5EF4-FFF2-40B4-BE49-F238E27FC236}">
-                <a16:creationId xmlns:a16="http://schemas.microsoft.com/office/drawing/2014/main" id="{A4D4CC32-962D-4DD9-B303-F69E37185EE8}"/>
-              </a:ext>
-            </a:extLst>
-          </p:cNvPr>
-          <p:cNvSpPr>
-            <a:spLocks noGrp="1"/>
-          </p:cNvSpPr>
-          <p:nvPr>
-            <p:ph idx="1"/>
-          </p:nvPr>
-        </p:nvSpPr>
-        <p:spPr/>
-        <p:txBody>
-          <a:bodyPr/>
-          <a:lstStyle/>
-          <a:p>
             <a:r>
               <a:rPr lang="en-US" dirty="0"/>
               <a:t>[</a:t>
@@ -6659,7 +6740,7 @@
 </p:sld>
 </file>
 
-<file path=ppt/slides/slide12.xml><?xml version="1.0" encoding="utf-8"?>
+<file path=ppt/slides/slide11.xml><?xml version="1.0" encoding="utf-8"?>
 <p:sld xmlns:a="http://schemas.openxmlformats.org/drawingml/2006/main" xmlns:r="http://schemas.openxmlformats.org/officeDocument/2006/relationships" xmlns:p="http://schemas.openxmlformats.org/presentationml/2006/main">
   <p:cSld>
     <p:spTree>
@@ -6733,6 +6814,89 @@
     <p:extLst>
       <p:ext uri="{BB962C8B-B14F-4D97-AF65-F5344CB8AC3E}">
         <p14:creationId xmlns:p14="http://schemas.microsoft.com/office/powerpoint/2010/main" val="1713442985"/>
+      </p:ext>
+    </p:extLst>
+  </p:cSld>
+  <p:clrMapOvr>
+    <a:masterClrMapping/>
+  </p:clrMapOvr>
+</p:sld>
+</file>
+
+<file path=ppt/slides/slide12.xml><?xml version="1.0" encoding="utf-8"?>
+<p:sld xmlns:a="http://schemas.openxmlformats.org/drawingml/2006/main" xmlns:r="http://schemas.openxmlformats.org/officeDocument/2006/relationships" xmlns:p="http://schemas.openxmlformats.org/presentationml/2006/main">
+  <p:cSld>
+    <p:spTree>
+      <p:nvGrpSpPr>
+        <p:cNvPr id="1" name=""/>
+        <p:cNvGrpSpPr/>
+        <p:nvPr/>
+      </p:nvGrpSpPr>
+      <p:grpSpPr>
+        <a:xfrm>
+          <a:off x="0" y="0"/>
+          <a:ext cx="0" cy="0"/>
+          <a:chOff x="0" y="0"/>
+          <a:chExt cx="0" cy="0"/>
+        </a:xfrm>
+      </p:grpSpPr>
+      <p:sp>
+        <p:nvSpPr>
+          <p:cNvPr id="2" name="Title 1">
+            <a:extLst>
+              <a:ext uri="{FF2B5EF4-FFF2-40B4-BE49-F238E27FC236}">
+                <a16:creationId xmlns:a16="http://schemas.microsoft.com/office/drawing/2014/main" id="{B8D7EE1D-1DF8-452F-8AA3-2C00ACFE4638}"/>
+              </a:ext>
+            </a:extLst>
+          </p:cNvPr>
+          <p:cNvSpPr>
+            <a:spLocks noGrp="1"/>
+          </p:cNvSpPr>
+          <p:nvPr>
+            <p:ph type="title"/>
+          </p:nvPr>
+        </p:nvSpPr>
+        <p:spPr/>
+        <p:txBody>
+          <a:bodyPr/>
+          <a:lstStyle/>
+          <a:p>
+            <a:r>
+              <a:rPr lang="en-US" dirty="0"/>
+              <a:t>Project Glossary</a:t>
+            </a:r>
+          </a:p>
+        </p:txBody>
+      </p:sp>
+      <p:sp>
+        <p:nvSpPr>
+          <p:cNvPr id="4" name="Text Placeholder 3">
+            <a:extLst>
+              <a:ext uri="{FF2B5EF4-FFF2-40B4-BE49-F238E27FC236}">
+                <a16:creationId xmlns:a16="http://schemas.microsoft.com/office/drawing/2014/main" id="{3BBF0A1E-B487-4740-AA3C-FBF659C7FBEC}"/>
+              </a:ext>
+            </a:extLst>
+          </p:cNvPr>
+          <p:cNvSpPr>
+            <a:spLocks noGrp="1"/>
+          </p:cNvSpPr>
+          <p:nvPr>
+            <p:ph type="body" idx="1"/>
+          </p:nvPr>
+        </p:nvSpPr>
+        <p:spPr/>
+        <p:txBody>
+          <a:bodyPr/>
+          <a:lstStyle/>
+          <a:p>
+            <a:endParaRPr lang="en-US"/>
+          </a:p>
+        </p:txBody>
+      </p:sp>
+    </p:spTree>
+    <p:extLst>
+      <p:ext uri="{BB962C8B-B14F-4D97-AF65-F5344CB8AC3E}">
+        <p14:creationId xmlns:p14="http://schemas.microsoft.com/office/powerpoint/2010/main" val="3118035011"/>
       </p:ext>
     </p:extLst>
   </p:cSld>
@@ -6782,7 +6946,7 @@
           <a:p>
             <a:r>
               <a:rPr lang="en-US" dirty="0"/>
-              <a:t>Project Glossary</a:t>
+              <a:t>Backyard</a:t>
             </a:r>
           </a:p>
         </p:txBody>
@@ -6815,7 +6979,7 @@
     </p:spTree>
     <p:extLst>
       <p:ext uri="{BB962C8B-B14F-4D97-AF65-F5344CB8AC3E}">
-        <p14:creationId xmlns:p14="http://schemas.microsoft.com/office/powerpoint/2010/main" val="3118035011"/>
+        <p14:creationId xmlns:p14="http://schemas.microsoft.com/office/powerpoint/2010/main" val="1348428271"/>
       </p:ext>
     </p:extLst>
   </p:cSld>
@@ -6826,538 +6990,6 @@
 </file>
 
 <file path=ppt/slides/slide14.xml><?xml version="1.0" encoding="utf-8"?>
-<p:sld xmlns:a="http://schemas.openxmlformats.org/drawingml/2006/main" xmlns:r="http://schemas.openxmlformats.org/officeDocument/2006/relationships" xmlns:p="http://schemas.openxmlformats.org/presentationml/2006/main">
-  <p:cSld>
-    <p:spTree>
-      <p:nvGrpSpPr>
-        <p:cNvPr id="1" name=""/>
-        <p:cNvGrpSpPr/>
-        <p:nvPr/>
-      </p:nvGrpSpPr>
-      <p:grpSpPr>
-        <a:xfrm>
-          <a:off x="0" y="0"/>
-          <a:ext cx="0" cy="0"/>
-          <a:chOff x="0" y="0"/>
-          <a:chExt cx="0" cy="0"/>
-        </a:xfrm>
-      </p:grpSpPr>
-      <p:sp>
-        <p:nvSpPr>
-          <p:cNvPr id="2" name="Title 1">
-            <a:extLst>
-              <a:ext uri="{FF2B5EF4-FFF2-40B4-BE49-F238E27FC236}">
-                <a16:creationId xmlns:a16="http://schemas.microsoft.com/office/drawing/2014/main" id="{7CF37C1F-466D-44EC-A307-0CF21419A758}"/>
-              </a:ext>
-            </a:extLst>
-          </p:cNvPr>
-          <p:cNvSpPr>
-            <a:spLocks noGrp="1"/>
-          </p:cNvSpPr>
-          <p:nvPr>
-            <p:ph type="title"/>
-          </p:nvPr>
-        </p:nvSpPr>
-        <p:spPr/>
-        <p:txBody>
-          <a:bodyPr/>
-          <a:lstStyle/>
-          <a:p>
-            <a:endParaRPr lang="en-US"/>
-          </a:p>
-        </p:txBody>
-      </p:sp>
-      <p:sp>
-        <p:nvSpPr>
-          <p:cNvPr id="3" name="Content Placeholder 2">
-            <a:extLst>
-              <a:ext uri="{FF2B5EF4-FFF2-40B4-BE49-F238E27FC236}">
-                <a16:creationId xmlns:a16="http://schemas.microsoft.com/office/drawing/2014/main" id="{56CB9307-A01F-4DBE-8122-F09C8572413F}"/>
-              </a:ext>
-            </a:extLst>
-          </p:cNvPr>
-          <p:cNvSpPr>
-            <a:spLocks noGrp="1"/>
-          </p:cNvSpPr>
-          <p:nvPr>
-            <p:ph sz="quarter" idx="13"/>
-          </p:nvPr>
-        </p:nvSpPr>
-        <p:spPr/>
-        <p:txBody>
-          <a:bodyPr>
-            <a:normAutofit fontScale="40000" lnSpcReduction="20000"/>
-          </a:bodyPr>
-          <a:lstStyle/>
-          <a:p>
-            <a:r>
-              <a:rPr lang="en-US" dirty="0"/>
-              <a:t>IDEA: funnel template is a check-list!</a:t>
-            </a:r>
-          </a:p>
-          <a:p>
-            <a:endParaRPr lang="en-US" dirty="0"/>
-          </a:p>
-          <a:p>
-            <a:r>
-              <a:rPr lang="en-US" dirty="0"/>
-              <a:t>roles are important</a:t>
-            </a:r>
-          </a:p>
-          <a:p>
-            <a:endParaRPr lang="en-US" dirty="0"/>
-          </a:p>
-          <a:p>
-            <a:r>
-              <a:rPr lang="en-US" dirty="0"/>
-              <a:t>customer </a:t>
-            </a:r>
-            <a:r>
-              <a:rPr lang="en-US" dirty="0" err="1"/>
-              <a:t>deivers</a:t>
-            </a:r>
-            <a:r>
-              <a:rPr lang="en-US" dirty="0"/>
-              <a:t> only the use cases --&gt; customer req doc</a:t>
-            </a:r>
-          </a:p>
-          <a:p>
-            <a:r>
-              <a:rPr lang="en-US" dirty="0"/>
-              <a:t>assumption: customer has not technically profonde knowledge over the FORDCS</a:t>
-            </a:r>
-          </a:p>
-          <a:p>
-            <a:r>
-              <a:rPr lang="en-US" dirty="0"/>
-              <a:t>WHO is customer? </a:t>
-            </a:r>
-            <a:r>
-              <a:rPr lang="en-US" dirty="0" err="1"/>
-              <a:t>SmartCity</a:t>
-            </a:r>
-            <a:r>
-              <a:rPr lang="en-US" dirty="0"/>
-              <a:t> Gov!!??!!</a:t>
-            </a:r>
-          </a:p>
-          <a:p>
-            <a:endParaRPr lang="en-US" dirty="0"/>
-          </a:p>
-          <a:p>
-            <a:r>
-              <a:rPr lang="en-US" dirty="0"/>
-              <a:t>EDUp is the supplier, has knowledge about the FORDCS</a:t>
-            </a:r>
-          </a:p>
-          <a:p>
-            <a:r>
-              <a:rPr lang="en-US" dirty="0"/>
-              <a:t>EDUp sys-req contains req-analysis based on use-use-cases --&gt; state machine models and swagger design --&gt; (analysis phase)</a:t>
-            </a:r>
-          </a:p>
-          <a:p>
-            <a:endParaRPr lang="en-US" dirty="0"/>
-          </a:p>
-          <a:p>
-            <a:r>
-              <a:rPr lang="en-US" dirty="0"/>
-              <a:t>swagger design  is input for validation test spec</a:t>
-            </a:r>
-          </a:p>
-          <a:p>
-            <a:endParaRPr lang="en-US" dirty="0"/>
-          </a:p>
-          <a:p>
-            <a:r>
-              <a:rPr lang="en-US" dirty="0"/>
-              <a:t>Project STORY : Analysis design dev -- </a:t>
-            </a:r>
-            <a:r>
-              <a:rPr lang="en-US" dirty="0" err="1"/>
-              <a:t>devops</a:t>
-            </a:r>
-            <a:r>
-              <a:rPr lang="en-US" dirty="0"/>
-              <a:t> -- test : Dev Life-Cycle Story &amp; PM story (work-funnels)</a:t>
-            </a:r>
-          </a:p>
-        </p:txBody>
-      </p:sp>
-    </p:spTree>
-    <p:extLst>
-      <p:ext uri="{BB962C8B-B14F-4D97-AF65-F5344CB8AC3E}">
-        <p14:creationId xmlns:p14="http://schemas.microsoft.com/office/powerpoint/2010/main" val="4163689165"/>
-      </p:ext>
-    </p:extLst>
-  </p:cSld>
-  <p:clrMapOvr>
-    <a:masterClrMapping/>
-  </p:clrMapOvr>
-</p:sld>
-</file>
-
-<file path=ppt/slides/slide15.xml><?xml version="1.0" encoding="utf-8"?>
-<p:sld xmlns:a="http://schemas.openxmlformats.org/drawingml/2006/main" xmlns:r="http://schemas.openxmlformats.org/officeDocument/2006/relationships" xmlns:p="http://schemas.openxmlformats.org/presentationml/2006/main">
-  <p:cSld>
-    <p:spTree>
-      <p:nvGrpSpPr>
-        <p:cNvPr id="1" name=""/>
-        <p:cNvGrpSpPr/>
-        <p:nvPr/>
-      </p:nvGrpSpPr>
-      <p:grpSpPr>
-        <a:xfrm>
-          <a:off x="0" y="0"/>
-          <a:ext cx="0" cy="0"/>
-          <a:chOff x="0" y="0"/>
-          <a:chExt cx="0" cy="0"/>
-        </a:xfrm>
-      </p:grpSpPr>
-      <p:sp>
-        <p:nvSpPr>
-          <p:cNvPr id="2" name="Title 1">
-            <a:extLst>
-              <a:ext uri="{FF2B5EF4-FFF2-40B4-BE49-F238E27FC236}">
-                <a16:creationId xmlns:a16="http://schemas.microsoft.com/office/drawing/2014/main" id="{B8D7EE1D-1DF8-452F-8AA3-2C00ACFE4638}"/>
-              </a:ext>
-            </a:extLst>
-          </p:cNvPr>
-          <p:cNvSpPr>
-            <a:spLocks noGrp="1"/>
-          </p:cNvSpPr>
-          <p:nvPr>
-            <p:ph type="title"/>
-          </p:nvPr>
-        </p:nvSpPr>
-        <p:spPr/>
-        <p:txBody>
-          <a:bodyPr/>
-          <a:lstStyle/>
-          <a:p>
-            <a:r>
-              <a:rPr lang="en-US" dirty="0"/>
-              <a:t>Backyard</a:t>
-            </a:r>
-          </a:p>
-        </p:txBody>
-      </p:sp>
-      <p:sp>
-        <p:nvSpPr>
-          <p:cNvPr id="4" name="Text Placeholder 3">
-            <a:extLst>
-              <a:ext uri="{FF2B5EF4-FFF2-40B4-BE49-F238E27FC236}">
-                <a16:creationId xmlns:a16="http://schemas.microsoft.com/office/drawing/2014/main" id="{3BBF0A1E-B487-4740-AA3C-FBF659C7FBEC}"/>
-              </a:ext>
-            </a:extLst>
-          </p:cNvPr>
-          <p:cNvSpPr>
-            <a:spLocks noGrp="1"/>
-          </p:cNvSpPr>
-          <p:nvPr>
-            <p:ph type="body" idx="1"/>
-          </p:nvPr>
-        </p:nvSpPr>
-        <p:spPr/>
-        <p:txBody>
-          <a:bodyPr/>
-          <a:lstStyle/>
-          <a:p>
-            <a:endParaRPr lang="en-US"/>
-          </a:p>
-        </p:txBody>
-      </p:sp>
-    </p:spTree>
-    <p:extLst>
-      <p:ext uri="{BB962C8B-B14F-4D97-AF65-F5344CB8AC3E}">
-        <p14:creationId xmlns:p14="http://schemas.microsoft.com/office/powerpoint/2010/main" val="1348428271"/>
-      </p:ext>
-    </p:extLst>
-  </p:cSld>
-  <p:clrMapOvr>
-    <a:masterClrMapping/>
-  </p:clrMapOvr>
-</p:sld>
-</file>
-
-<file path=ppt/slides/slide16.xml><?xml version="1.0" encoding="utf-8"?>
-<p:sld xmlns:a="http://schemas.openxmlformats.org/drawingml/2006/main" xmlns:r="http://schemas.openxmlformats.org/officeDocument/2006/relationships" xmlns:p="http://schemas.openxmlformats.org/presentationml/2006/main">
-  <p:cSld>
-    <p:spTree>
-      <p:nvGrpSpPr>
-        <p:cNvPr id="1" name=""/>
-        <p:cNvGrpSpPr/>
-        <p:nvPr/>
-      </p:nvGrpSpPr>
-      <p:grpSpPr>
-        <a:xfrm>
-          <a:off x="0" y="0"/>
-          <a:ext cx="0" cy="0"/>
-          <a:chOff x="0" y="0"/>
-          <a:chExt cx="0" cy="0"/>
-        </a:xfrm>
-      </p:grpSpPr>
-      <p:sp>
-        <p:nvSpPr>
-          <p:cNvPr id="2" name="Title 1">
-            <a:extLst>
-              <a:ext uri="{FF2B5EF4-FFF2-40B4-BE49-F238E27FC236}">
-                <a16:creationId xmlns:a16="http://schemas.microsoft.com/office/drawing/2014/main" id="{5D3B5078-7757-4767-AEF6-369937360D8D}"/>
-              </a:ext>
-            </a:extLst>
-          </p:cNvPr>
-          <p:cNvSpPr>
-            <a:spLocks noGrp="1"/>
-          </p:cNvSpPr>
-          <p:nvPr>
-            <p:ph type="title"/>
-          </p:nvPr>
-        </p:nvSpPr>
-        <p:spPr>
-          <a:xfrm>
-            <a:off x="838200" y="1"/>
-            <a:ext cx="10515600" cy="1042736"/>
-          </a:xfrm>
-        </p:spPr>
-        <p:txBody>
-          <a:bodyPr>
-            <a:normAutofit fontScale="90000"/>
-          </a:bodyPr>
-          <a:lstStyle/>
-          <a:p>
-            <a:r>
-              <a:rPr lang="en-US" dirty="0"/>
-              <a:t>EDUp Project Story Stream</a:t>
-            </a:r>
-            <a:br>
-              <a:rPr lang="en-US" dirty="0"/>
-            </a:br>
-            <a:r>
-              <a:rPr lang="en-US" dirty="0"/>
-              <a:t>Checklist</a:t>
-            </a:r>
-          </a:p>
-        </p:txBody>
-      </p:sp>
-      <p:sp>
-        <p:nvSpPr>
-          <p:cNvPr id="3" name="Content Placeholder 2">
-            <a:extLst>
-              <a:ext uri="{FF2B5EF4-FFF2-40B4-BE49-F238E27FC236}">
-                <a16:creationId xmlns:a16="http://schemas.microsoft.com/office/drawing/2014/main" id="{BB52B4B9-8BC6-47F1-9253-84378701FD00}"/>
-              </a:ext>
-            </a:extLst>
-          </p:cNvPr>
-          <p:cNvSpPr>
-            <a:spLocks noGrp="1"/>
-          </p:cNvSpPr>
-          <p:nvPr>
-            <p:ph idx="1"/>
-          </p:nvPr>
-        </p:nvSpPr>
-        <p:spPr>
-          <a:xfrm>
-            <a:off x="838199" y="1042737"/>
-            <a:ext cx="11353801" cy="5815263"/>
-          </a:xfrm>
-        </p:spPr>
-        <p:txBody>
-          <a:bodyPr>
-            <a:normAutofit fontScale="85000" lnSpcReduction="20000"/>
-          </a:bodyPr>
-          <a:lstStyle/>
-          <a:p>
-            <a:r>
-              <a:rPr lang="en-US" dirty="0"/>
-              <a:t>The &lt; project-name&gt;</a:t>
-            </a:r>
-          </a:p>
-          <a:p>
-            <a:r>
-              <a:rPr lang="en-US" dirty="0"/>
-              <a:t>Customer Scope</a:t>
-            </a:r>
-          </a:p>
-          <a:p>
-            <a:pPr marL="914400" lvl="1" indent="-457200">
-              <a:buFont typeface="+mj-lt"/>
-              <a:buAutoNum type="arabicPeriod"/>
-            </a:pPr>
-            <a:r>
-              <a:rPr lang="en-US" dirty="0"/>
-              <a:t>Define the system boundaries</a:t>
-            </a:r>
-          </a:p>
-          <a:p>
-            <a:pPr marL="914400" lvl="1" indent="-457200">
-              <a:buFont typeface="+mj-lt"/>
-              <a:buAutoNum type="arabicPeriod"/>
-            </a:pPr>
-            <a:r>
-              <a:rPr lang="en-US" dirty="0"/>
-              <a:t>Define the scope of the customer needs/requirements</a:t>
-            </a:r>
-          </a:p>
-          <a:p>
-            <a:pPr marL="914400" lvl="1" indent="-457200">
-              <a:buFont typeface="+mj-lt"/>
-              <a:buAutoNum type="arabicPeriod"/>
-            </a:pPr>
-            <a:r>
-              <a:rPr lang="en-US" dirty="0"/>
-              <a:t>Describe the needs from the viewpoint of customer (use case, swagger-UI, UX, big-picture)</a:t>
-            </a:r>
-          </a:p>
-          <a:p>
-            <a:pPr marL="914400" lvl="1" indent="-457200">
-              <a:buFont typeface="+mj-lt"/>
-              <a:buAutoNum type="arabicPeriod"/>
-            </a:pPr>
-            <a:r>
-              <a:rPr lang="en-US" dirty="0"/>
-              <a:t>Define the customer's knowhow profile</a:t>
-            </a:r>
-          </a:p>
-          <a:p>
-            <a:r>
-              <a:rPr lang="en-US" dirty="0"/>
-              <a:t>Supplier (Project) Scope </a:t>
-            </a:r>
-          </a:p>
-          <a:p>
-            <a:pPr marL="914400" lvl="1" indent="-457200">
-              <a:buFont typeface="+mj-lt"/>
-              <a:buAutoNum type="arabicPeriod"/>
-            </a:pPr>
-            <a:r>
-              <a:rPr lang="en-US" dirty="0"/>
-              <a:t>Define the system requirements from the viewpoint of supplier (describe with the means of Supplier's technology, tools, ..., HW/SW big-picture)</a:t>
-            </a:r>
-          </a:p>
-          <a:p>
-            <a:pPr marL="914400" lvl="1" indent="-457200">
-              <a:buFont typeface="+mj-lt"/>
-              <a:buAutoNum type="arabicPeriod"/>
-            </a:pPr>
-            <a:r>
-              <a:rPr lang="en-US" dirty="0"/>
-              <a:t>Define the supplier's knowhow profile</a:t>
-            </a:r>
-          </a:p>
-          <a:p>
-            <a:pPr marL="914400" lvl="1" indent="-457200">
-              <a:buFont typeface="+mj-lt"/>
-              <a:buAutoNum type="arabicPeriod"/>
-            </a:pPr>
-            <a:r>
-              <a:rPr lang="en-US" dirty="0"/>
-              <a:t>Define a project roadmap (project timeline)</a:t>
-            </a:r>
-          </a:p>
-          <a:p>
-            <a:pPr marL="914400" lvl="1" indent="-457200">
-              <a:buFont typeface="+mj-lt"/>
-              <a:buAutoNum type="arabicPeriod"/>
-            </a:pPr>
-            <a:r>
-              <a:rPr lang="en-US" dirty="0"/>
-              <a:t>Create artifacts according to EDUp-Full-Stack-Software-Project-Development-Method.pptx </a:t>
-            </a:r>
-          </a:p>
-          <a:p>
-            <a:pPr marL="1371600" lvl="2" indent="-457200">
-              <a:buFont typeface="+mj-lt"/>
-              <a:buAutoNum type="arabicPeriod"/>
-            </a:pPr>
-            <a:r>
-              <a:rPr lang="en-US" dirty="0"/>
-              <a:t>See slide “Full-Stack Software Project Development Method” (#4)</a:t>
-            </a:r>
-          </a:p>
-          <a:p>
-            <a:pPr marL="914400" lvl="1" indent="-457200">
-              <a:buFont typeface="+mj-lt"/>
-              <a:buAutoNum type="arabicPeriod"/>
-            </a:pPr>
-            <a:r>
-              <a:rPr lang="en-US" dirty="0"/>
-              <a:t>Define the sys/</a:t>
-            </a:r>
-            <a:r>
-              <a:rPr lang="en-US" dirty="0" err="1"/>
-              <a:t>sw</a:t>
-            </a:r>
-            <a:r>
-              <a:rPr lang="en-US" dirty="0"/>
-              <a:t>-architecture covering the sys-req component-wise (SOA, component-based arch, domain model)</a:t>
-            </a:r>
-          </a:p>
-          <a:p>
-            <a:pPr marL="1371600" lvl="2" indent="-457200">
-              <a:buFont typeface="+mj-lt"/>
-              <a:buAutoNum type="arabicPeriod"/>
-            </a:pPr>
-            <a:r>
-              <a:rPr lang="en-US" dirty="0"/>
-              <a:t>Define alternative solutions and references</a:t>
-            </a:r>
-          </a:p>
-          <a:p>
-            <a:pPr marL="1371600" lvl="2" indent="-457200">
-              <a:buFont typeface="+mj-lt"/>
-              <a:buAutoNum type="arabicPeriod"/>
-            </a:pPr>
-            <a:r>
-              <a:rPr lang="en-US" dirty="0"/>
-              <a:t>Define the components based on Spring architecture</a:t>
-            </a:r>
-          </a:p>
-          <a:p>
-            <a:pPr marL="914400" lvl="1" indent="-457200">
-              <a:buFont typeface="+mj-lt"/>
-              <a:buAutoNum type="arabicPeriod"/>
-            </a:pPr>
-            <a:r>
-              <a:rPr lang="en-US" dirty="0"/>
-              <a:t>Define DevOps (the dev-env and dev-ops)</a:t>
-            </a:r>
-          </a:p>
-          <a:p>
-            <a:pPr marL="914400" lvl="1" indent="-457200">
-              <a:buFont typeface="+mj-lt"/>
-              <a:buAutoNum type="arabicPeriod"/>
-            </a:pPr>
-            <a:r>
-              <a:rPr lang="en-US" dirty="0"/>
-              <a:t>Define V&amp;V-spec and -env</a:t>
-            </a:r>
-          </a:p>
-          <a:p>
-            <a:pPr marL="914400" lvl="1" indent="-457200">
-              <a:buFont typeface="+mj-lt"/>
-              <a:buAutoNum type="arabicPeriod"/>
-            </a:pPr>
-            <a:r>
-              <a:rPr lang="en-US" dirty="0"/>
-              <a:t>Define Deployment (deliverables, release content and media)</a:t>
-            </a:r>
-          </a:p>
-        </p:txBody>
-      </p:sp>
-    </p:spTree>
-    <p:extLst>
-      <p:ext uri="{BB962C8B-B14F-4D97-AF65-F5344CB8AC3E}">
-        <p14:creationId xmlns:p14="http://schemas.microsoft.com/office/powerpoint/2010/main" val="383692364"/>
-      </p:ext>
-    </p:extLst>
-  </p:cSld>
-  <p:clrMapOvr>
-    <a:masterClrMapping/>
-  </p:clrMapOvr>
-</p:sld>
-</file>
-
-<file path=ppt/slides/slide17.xml><?xml version="1.0" encoding="utf-8"?>
 <p:sld xmlns:a="http://schemas.openxmlformats.org/drawingml/2006/main" xmlns:r="http://schemas.openxmlformats.org/officeDocument/2006/relationships" xmlns:p="http://schemas.openxmlformats.org/presentationml/2006/main" showMasterSp="0">
   <p:cSld>
     <p:spTree>
@@ -8555,7 +8187,7 @@
         </p:nvGrpSpPr>
         <p:grpSpPr>
           <a:xfrm>
-            <a:off x="10122877" y="5509031"/>
+            <a:off x="6820877" y="3812276"/>
             <a:ext cx="1680131" cy="1062892"/>
             <a:chOff x="6820877" y="1250462"/>
             <a:chExt cx="1680131" cy="1062892"/>
@@ -8891,7 +8523,7 @@
           <a:p>
             <a:r>
               <a:rPr lang="en-US" dirty="0"/>
-              <a:t>Context</a:t>
+              <a:t>Document Context</a:t>
             </a:r>
           </a:p>
         </p:txBody>
@@ -8911,7 +8543,7 @@
           <p:nvPr/>
         </p:nvPicPr>
         <p:blipFill>
-          <a:blip r:embed="rId2"/>
+          <a:blip r:embed="rId3"/>
           <a:stretch>
             <a:fillRect/>
           </a:stretch>
@@ -8926,6 +8558,66 @@
           </a:prstGeom>
         </p:spPr>
       </p:pic>
+      <p:sp>
+        <p:nvSpPr>
+          <p:cNvPr id="5" name="Rectangle 4">
+            <a:extLst>
+              <a:ext uri="{FF2B5EF4-FFF2-40B4-BE49-F238E27FC236}">
+                <a16:creationId xmlns:a16="http://schemas.microsoft.com/office/drawing/2014/main" id="{A2CC34DE-7579-42BD-B21C-686B5FF5076D}"/>
+              </a:ext>
+            </a:extLst>
+          </p:cNvPr>
+          <p:cNvSpPr/>
+          <p:nvPr/>
+        </p:nvSpPr>
+        <p:spPr>
+          <a:xfrm>
+            <a:off x="7950630" y="6492875"/>
+            <a:ext cx="4122550" cy="294468"/>
+          </a:xfrm>
+          <a:prstGeom prst="rect">
+            <a:avLst/>
+          </a:prstGeom>
+          <a:noFill/>
+          <a:ln>
+            <a:solidFill>
+              <a:srgbClr val="FFC000"/>
+            </a:solidFill>
+          </a:ln>
+        </p:spPr>
+        <p:style>
+          <a:lnRef idx="2">
+            <a:schemeClr val="accent1">
+              <a:shade val="50000"/>
+            </a:schemeClr>
+          </a:lnRef>
+          <a:fillRef idx="1">
+            <a:schemeClr val="accent1"/>
+          </a:fillRef>
+          <a:effectRef idx="0">
+            <a:schemeClr val="accent1"/>
+          </a:effectRef>
+          <a:fontRef idx="minor">
+            <a:schemeClr val="lt1"/>
+          </a:fontRef>
+        </p:style>
+        <p:txBody>
+          <a:bodyPr rtlCol="0" anchor="t"/>
+          <a:lstStyle/>
+          <a:p>
+            <a:r>
+              <a:rPr lang="en-US" dirty="0">
+                <a:solidFill>
+                  <a:schemeClr val="accent2">
+                    <a:lumMod val="75000"/>
+                  </a:schemeClr>
+                </a:solidFill>
+              </a:rPr>
+              <a:t>A Link to the method:</a:t>
+            </a:r>
+          </a:p>
+        </p:txBody>
+      </p:sp>
     </p:spTree>
     <p:extLst>
       <p:ext uri="{BB962C8B-B14F-4D97-AF65-F5344CB8AC3E}">
@@ -9002,18 +8694,62 @@
         </p:nvSpPr>
         <p:spPr/>
         <p:txBody>
-          <a:bodyPr/>
+          <a:bodyPr>
+            <a:normAutofit/>
+          </a:bodyPr>
           <a:lstStyle/>
           <a:p>
             <a:r>
               <a:rPr lang="en-US" dirty="0"/>
-              <a:t>To implement and test the FORDCS V1.0 Software based on customer requirements and Swagger API design!</a:t>
+              <a:t>Edu-simulate a charging station using webservices framework of Spring with internal Database </a:t>
             </a:r>
-          </a:p>
-          <a:p>
+            <a:r>
+              <a:rPr lang="en-US" dirty="0">
+                <a:sym typeface="Wingdings" panose="05000000000000000000" pitchFamily="2" charset="2"/>
+              </a:rPr>
+              <a:t> </a:t>
+            </a:r>
             <a:r>
               <a:rPr lang="en-US" dirty="0"/>
-              <a:t>The Software implementation and testing should be done on premise</a:t>
+              <a:t>FORDCS V1.0 Software !</a:t>
+            </a:r>
+          </a:p>
+          <a:p>
+            <a:pPr lvl="1"/>
+            <a:r>
+              <a:rPr lang="en-US" dirty="0"/>
+              <a:t>All artifacts of the Software Project Development Method (</a:t>
+            </a:r>
+            <a:r>
+              <a:rPr lang="en-US" dirty="0" err="1"/>
+              <a:t>SwPDM</a:t>
+            </a:r>
+            <a:r>
+              <a:rPr lang="en-US" dirty="0"/>
+              <a:t>)</a:t>
+            </a:r>
+            <a:br>
+              <a:rPr lang="en-US" dirty="0"/>
+            </a:br>
+            <a:r>
+              <a:rPr lang="en-US" dirty="0"/>
+              <a:t> should be created as an example for the future projects!</a:t>
+            </a:r>
+          </a:p>
+          <a:p>
+            <a:endParaRPr lang="en-US" dirty="0"/>
+          </a:p>
+          <a:p>
+            <a:r>
+              <a:rPr lang="en-US" dirty="0"/>
+              <a:t>Implement and test the FORDCS V1.0 Software based on customer requirements and Swagger API design!</a:t>
+            </a:r>
+          </a:p>
+          <a:p>
+            <a:pPr lvl="1"/>
+            <a:r>
+              <a:rPr lang="en-US" dirty="0"/>
+              <a:t>The Software implementation and testing should be done on premise!</a:t>
             </a:r>
           </a:p>
           <a:p>
@@ -9223,12 +8959,78 @@
             <p:ph idx="1"/>
           </p:nvPr>
         </p:nvSpPr>
-        <p:spPr/>
+        <p:spPr>
+          <a:xfrm>
+            <a:off x="838200" y="1825624"/>
+            <a:ext cx="10515600" cy="5032375"/>
+          </a:xfrm>
+        </p:spPr>
         <p:txBody>
-          <a:bodyPr/>
+          <a:bodyPr>
+            <a:normAutofit fontScale="92500"/>
+          </a:bodyPr>
           <a:lstStyle/>
           <a:p>
-            <a:endParaRPr lang="en-US"/>
+            <a:r>
+              <a:rPr lang="en-US" dirty="0"/>
+              <a:t>The EDU-simulation of the  charging station is a service-based software component runnable on a PC or Cloud!</a:t>
+            </a:r>
+          </a:p>
+          <a:p>
+            <a:r>
+              <a:rPr lang="en-US" dirty="0"/>
+              <a:t>It is used, managed, tested, and maintained over the webservice endpoints!</a:t>
+            </a:r>
+          </a:p>
+          <a:p>
+            <a:r>
+              <a:rPr lang="en-US" dirty="0"/>
+              <a:t>The behavior is defined by a state machine, which simulates a charging process!</a:t>
+            </a:r>
+          </a:p>
+          <a:p>
+            <a:r>
+              <a:rPr lang="en-US" dirty="0"/>
+              <a:t>It is an executable software that is independent to a specific hardware!</a:t>
+            </a:r>
+          </a:p>
+          <a:p>
+            <a:r>
+              <a:rPr lang="en-US" dirty="0"/>
+              <a:t>Development environment is Eclipse where Spring and Junit 4 are installed!</a:t>
+            </a:r>
+          </a:p>
+          <a:p>
+            <a:r>
+              <a:rPr lang="en-US" dirty="0"/>
+              <a:t>Deployment environment is a PC and a Cloud Container!</a:t>
+            </a:r>
+          </a:p>
+          <a:p>
+            <a:r>
+              <a:rPr lang="en-US" dirty="0"/>
+              <a:t>3</a:t>
+            </a:r>
+            <a:r>
+              <a:rPr lang="en-US" baseline="30000" dirty="0"/>
+              <a:t>rd</a:t>
+            </a:r>
+            <a:r>
+              <a:rPr lang="en-US" dirty="0"/>
+              <a:t> party system dependency like a Database is not defined yet!</a:t>
+            </a:r>
+          </a:p>
+          <a:p>
+            <a:r>
+              <a:rPr lang="en-US" dirty="0"/>
+              <a:t>System test tool is Postman or alike!</a:t>
+            </a:r>
+          </a:p>
+          <a:p>
+            <a:endParaRPr lang="en-US" dirty="0"/>
+          </a:p>
+          <a:p>
+            <a:endParaRPr lang="en-US" dirty="0"/>
           </a:p>
         </p:txBody>
       </p:sp>
@@ -9308,488 +9110,147 @@
             <p:ph idx="1"/>
           </p:nvPr>
         </p:nvSpPr>
-        <p:spPr/>
+        <p:spPr>
+          <a:xfrm>
+            <a:off x="838200" y="1825624"/>
+            <a:ext cx="10515600" cy="5032375"/>
+          </a:xfrm>
+        </p:spPr>
         <p:txBody>
           <a:bodyPr>
-            <a:normAutofit/>
+            <a:normAutofit fontScale="92500" lnSpcReduction="20000"/>
           </a:bodyPr>
           <a:lstStyle/>
           <a:p>
             <a:r>
               <a:rPr lang="en-US" dirty="0"/>
-              <a:t>The project plan has three main work-streams:</a:t>
+              <a:t>The project release plan has three iterations with an incremental result:</a:t>
             </a:r>
           </a:p>
           <a:p>
-            <a:pPr lvl="1"/>
+            <a:pPr marL="0" indent="0">
+              <a:buNone/>
+            </a:pPr>
+            <a:endParaRPr lang="en-US" dirty="0"/>
+          </a:p>
+          <a:p>
+            <a:pPr marL="514350" indent="-514350">
+              <a:buFont typeface="+mj-lt"/>
+              <a:buAutoNum type="arabicPeriod"/>
+            </a:pPr>
             <a:r>
               <a:rPr lang="en-US" dirty="0"/>
-              <a:t>System/Software Development Lifecycle based on the .</a:t>
+              <a:t>Iteration “A minimum viable product (MVP)”: One use case implementation on Spring Controller/Service/Repository layers! </a:t>
             </a:r>
-          </a:p>
-          <a:p>
-            <a:endParaRPr lang="en-US" dirty="0"/>
-          </a:p>
-          <a:p>
+            <a:br>
+              <a:rPr lang="en-US" dirty="0"/>
+            </a:br>
+            <a:r>
+              <a:rPr lang="en-US" dirty="0">
+                <a:sym typeface="Wingdings" panose="05000000000000000000" pitchFamily="2" charset="2"/>
+              </a:rPr>
+              <a:t> </a:t>
+            </a:r>
+            <a:r>
+              <a:rPr lang="en-US" b="1" dirty="0"/>
+              <a:t>Use Case “Report Factory Setting V1.0” </a:t>
+            </a:r>
+          </a:p>
+          <a:p>
+            <a:pPr marL="514350" indent="-514350">
+              <a:buFont typeface="+mj-lt"/>
+              <a:buAutoNum type="arabicPeriod"/>
+            </a:pPr>
             <a:r>
               <a:rPr lang="en-US" dirty="0"/>
-              <a:t> </a:t>
+              <a:t>Iteration “Charging with Status Report”: Realization of the following use case analog to the MVP:</a:t>
             </a:r>
-          </a:p>
-        </p:txBody>
-      </p:sp>
-      <p:grpSp>
-        <p:nvGrpSpPr>
-          <p:cNvPr id="48" name="Group 47">
-            <a:extLst>
-              <a:ext uri="{FF2B5EF4-FFF2-40B4-BE49-F238E27FC236}">
-                <a16:creationId xmlns:a16="http://schemas.microsoft.com/office/drawing/2014/main" id="{5CB27572-F71F-4DE1-8513-EB6BB4977F23}"/>
-              </a:ext>
-            </a:extLst>
-          </p:cNvPr>
-          <p:cNvGrpSpPr/>
-          <p:nvPr/>
-        </p:nvGrpSpPr>
-        <p:grpSpPr>
-          <a:xfrm>
-            <a:off x="1481429" y="4021427"/>
-            <a:ext cx="7403263" cy="369332"/>
-            <a:chOff x="1461246" y="3905335"/>
-            <a:chExt cx="7403263" cy="369332"/>
-          </a:xfrm>
-        </p:grpSpPr>
-        <p:sp>
-          <p:nvSpPr>
-            <p:cNvPr id="49" name="TextBox 48">
-              <a:extLst>
-                <a:ext uri="{FF2B5EF4-FFF2-40B4-BE49-F238E27FC236}">
-                  <a16:creationId xmlns:a16="http://schemas.microsoft.com/office/drawing/2014/main" id="{8EAF689C-6DC1-466B-AD4D-FE65D0341867}"/>
-                </a:ext>
-              </a:extLst>
-            </p:cNvPr>
-            <p:cNvSpPr txBox="1"/>
-            <p:nvPr/>
-          </p:nvSpPr>
-          <p:spPr>
-            <a:xfrm>
-              <a:off x="1461246" y="3905335"/>
-              <a:ext cx="906262" cy="369332"/>
-            </a:xfrm>
-            <a:prstGeom prst="rect">
-              <a:avLst/>
-            </a:prstGeom>
-            <a:noFill/>
-          </p:spPr>
-          <p:txBody>
-            <a:bodyPr wrap="square">
-              <a:spAutoFit/>
-            </a:bodyPr>
-            <a:lstStyle/>
-            <a:p>
-              <a:r>
-                <a:rPr lang="en-US" dirty="0"/>
-                <a:t>SDLC</a:t>
-              </a:r>
-            </a:p>
-          </p:txBody>
-        </p:sp>
-        <p:cxnSp>
-          <p:nvCxnSpPr>
-            <p:cNvPr id="50" name="Straight Connector 49">
-              <a:extLst>
-                <a:ext uri="{FF2B5EF4-FFF2-40B4-BE49-F238E27FC236}">
-                  <a16:creationId xmlns:a16="http://schemas.microsoft.com/office/drawing/2014/main" id="{65632BEB-95B8-46E2-AE8B-C1AB22AED5E1}"/>
-                </a:ext>
-              </a:extLst>
-            </p:cNvPr>
-            <p:cNvCxnSpPr/>
-            <p:nvPr/>
-          </p:nvCxnSpPr>
-          <p:spPr>
-            <a:xfrm>
-              <a:off x="2544232" y="4092002"/>
-              <a:ext cx="4939207" cy="0"/>
-            </a:xfrm>
-            <a:prstGeom prst="line">
-              <a:avLst/>
-            </a:prstGeom>
-          </p:spPr>
-          <p:style>
-            <a:lnRef idx="1">
-              <a:schemeClr val="accent1"/>
-            </a:lnRef>
-            <a:fillRef idx="0">
-              <a:schemeClr val="accent1"/>
-            </a:fillRef>
-            <a:effectRef idx="0">
-              <a:schemeClr val="accent1"/>
-            </a:effectRef>
-            <a:fontRef idx="minor">
-              <a:schemeClr val="tx1"/>
-            </a:fontRef>
-          </p:style>
-        </p:cxnSp>
-        <p:sp>
-          <p:nvSpPr>
-            <p:cNvPr id="51" name="TextBox 50">
-              <a:extLst>
-                <a:ext uri="{FF2B5EF4-FFF2-40B4-BE49-F238E27FC236}">
-                  <a16:creationId xmlns:a16="http://schemas.microsoft.com/office/drawing/2014/main" id="{A8C509F8-7D84-4650-98EA-DDF7EE712468}"/>
-                </a:ext>
-              </a:extLst>
-            </p:cNvPr>
-            <p:cNvSpPr txBox="1"/>
-            <p:nvPr/>
-          </p:nvSpPr>
-          <p:spPr>
-            <a:xfrm>
-              <a:off x="7614616" y="3905335"/>
-              <a:ext cx="1249893" cy="369332"/>
-            </a:xfrm>
-            <a:prstGeom prst="rect">
-              <a:avLst/>
-            </a:prstGeom>
-            <a:noFill/>
-          </p:spPr>
-          <p:txBody>
-            <a:bodyPr wrap="square">
-              <a:spAutoFit/>
-            </a:bodyPr>
-            <a:lstStyle/>
-            <a:p>
-              <a:r>
-                <a:rPr lang="en-US" dirty="0"/>
-                <a:t>Artifact(s)</a:t>
-              </a:r>
-            </a:p>
-          </p:txBody>
-        </p:sp>
-      </p:grpSp>
-      <p:grpSp>
-        <p:nvGrpSpPr>
-          <p:cNvPr id="52" name="Group 51">
-            <a:extLst>
-              <a:ext uri="{FF2B5EF4-FFF2-40B4-BE49-F238E27FC236}">
-                <a16:creationId xmlns:a16="http://schemas.microsoft.com/office/drawing/2014/main" id="{9327CED7-8B1D-4698-8E20-315775214A8D}"/>
-              </a:ext>
-            </a:extLst>
-          </p:cNvPr>
-          <p:cNvGrpSpPr/>
-          <p:nvPr/>
-        </p:nvGrpSpPr>
-        <p:grpSpPr>
-          <a:xfrm>
-            <a:off x="1481429" y="4750365"/>
-            <a:ext cx="7301045" cy="369332"/>
-            <a:chOff x="1461246" y="3905335"/>
-            <a:chExt cx="7301045" cy="369332"/>
-          </a:xfrm>
-        </p:grpSpPr>
-        <p:sp>
-          <p:nvSpPr>
-            <p:cNvPr id="53" name="TextBox 52">
-              <a:extLst>
-                <a:ext uri="{FF2B5EF4-FFF2-40B4-BE49-F238E27FC236}">
-                  <a16:creationId xmlns:a16="http://schemas.microsoft.com/office/drawing/2014/main" id="{5164D545-6F33-4F15-BFE4-AA6F3EBEB7A8}"/>
-                </a:ext>
-              </a:extLst>
-            </p:cNvPr>
-            <p:cNvSpPr txBox="1"/>
-            <p:nvPr/>
-          </p:nvSpPr>
-          <p:spPr>
-            <a:xfrm>
-              <a:off x="1461246" y="3905335"/>
-              <a:ext cx="906262" cy="369332"/>
-            </a:xfrm>
-            <a:prstGeom prst="rect">
-              <a:avLst/>
-            </a:prstGeom>
-            <a:noFill/>
-          </p:spPr>
-          <p:txBody>
-            <a:bodyPr wrap="square">
-              <a:spAutoFit/>
-            </a:bodyPr>
-            <a:lstStyle/>
-            <a:p>
-              <a:r>
-                <a:rPr lang="en-US" dirty="0" err="1"/>
-                <a:t>RelDev</a:t>
-              </a:r>
-              <a:endParaRPr lang="en-US" dirty="0"/>
-            </a:p>
-          </p:txBody>
-        </p:sp>
-        <p:cxnSp>
-          <p:nvCxnSpPr>
-            <p:cNvPr id="54" name="Straight Connector 53">
-              <a:extLst>
-                <a:ext uri="{FF2B5EF4-FFF2-40B4-BE49-F238E27FC236}">
-                  <a16:creationId xmlns:a16="http://schemas.microsoft.com/office/drawing/2014/main" id="{3AB07B6B-8389-40E0-9886-FAE0F4F9595A}"/>
-                </a:ext>
-              </a:extLst>
-            </p:cNvPr>
-            <p:cNvCxnSpPr/>
-            <p:nvPr/>
-          </p:nvCxnSpPr>
-          <p:spPr>
-            <a:xfrm>
-              <a:off x="2544232" y="4092002"/>
-              <a:ext cx="4939207" cy="0"/>
-            </a:xfrm>
-            <a:prstGeom prst="line">
-              <a:avLst/>
-            </a:prstGeom>
-          </p:spPr>
-          <p:style>
-            <a:lnRef idx="1">
-              <a:schemeClr val="accent1"/>
-            </a:lnRef>
-            <a:fillRef idx="0">
-              <a:schemeClr val="accent1"/>
-            </a:fillRef>
-            <a:effectRef idx="0">
-              <a:schemeClr val="accent1"/>
-            </a:effectRef>
-            <a:fontRef idx="minor">
-              <a:schemeClr val="tx1"/>
-            </a:fontRef>
-          </p:style>
-        </p:cxnSp>
-        <p:sp>
-          <p:nvSpPr>
-            <p:cNvPr id="55" name="TextBox 54">
-              <a:extLst>
-                <a:ext uri="{FF2B5EF4-FFF2-40B4-BE49-F238E27FC236}">
-                  <a16:creationId xmlns:a16="http://schemas.microsoft.com/office/drawing/2014/main" id="{239E6CB7-3994-4C5E-9EE5-BF88F66623D9}"/>
-                </a:ext>
-              </a:extLst>
-            </p:cNvPr>
-            <p:cNvSpPr txBox="1"/>
-            <p:nvPr/>
-          </p:nvSpPr>
-          <p:spPr>
-            <a:xfrm>
-              <a:off x="7614616" y="3905335"/>
-              <a:ext cx="1147675" cy="369332"/>
-            </a:xfrm>
-            <a:prstGeom prst="rect">
-              <a:avLst/>
-            </a:prstGeom>
-            <a:noFill/>
-          </p:spPr>
-          <p:txBody>
-            <a:bodyPr wrap="square">
-              <a:spAutoFit/>
-            </a:bodyPr>
-            <a:lstStyle/>
-            <a:p>
-              <a:r>
-                <a:rPr lang="en-US" dirty="0"/>
-                <a:t>Artifact(s)</a:t>
-              </a:r>
-            </a:p>
-          </p:txBody>
-        </p:sp>
-      </p:grpSp>
-      <p:grpSp>
-        <p:nvGrpSpPr>
-          <p:cNvPr id="56" name="Group 55">
-            <a:extLst>
-              <a:ext uri="{FF2B5EF4-FFF2-40B4-BE49-F238E27FC236}">
-                <a16:creationId xmlns:a16="http://schemas.microsoft.com/office/drawing/2014/main" id="{8B6CE43A-CEC8-486F-86DB-8BA6CC9FB30A}"/>
-              </a:ext>
-            </a:extLst>
-          </p:cNvPr>
-          <p:cNvGrpSpPr/>
-          <p:nvPr/>
-        </p:nvGrpSpPr>
-        <p:grpSpPr>
-          <a:xfrm>
-            <a:off x="1481429" y="5371831"/>
-            <a:ext cx="7301045" cy="369332"/>
-            <a:chOff x="1461246" y="3905335"/>
-            <a:chExt cx="7301045" cy="369332"/>
-          </a:xfrm>
-        </p:grpSpPr>
-        <p:sp>
-          <p:nvSpPr>
-            <p:cNvPr id="57" name="TextBox 56">
-              <a:extLst>
-                <a:ext uri="{FF2B5EF4-FFF2-40B4-BE49-F238E27FC236}">
-                  <a16:creationId xmlns:a16="http://schemas.microsoft.com/office/drawing/2014/main" id="{7C339F57-98E3-48FD-8F2A-D82E11CDB307}"/>
-                </a:ext>
-              </a:extLst>
-            </p:cNvPr>
-            <p:cNvSpPr txBox="1"/>
-            <p:nvPr/>
-          </p:nvSpPr>
-          <p:spPr>
-            <a:xfrm>
-              <a:off x="1461246" y="3905335"/>
-              <a:ext cx="906262" cy="369332"/>
-            </a:xfrm>
-            <a:prstGeom prst="rect">
-              <a:avLst/>
-            </a:prstGeom>
-            <a:noFill/>
-          </p:spPr>
-          <p:txBody>
-            <a:bodyPr wrap="square">
-              <a:spAutoFit/>
-            </a:bodyPr>
-            <a:lstStyle/>
-            <a:p>
-              <a:r>
-                <a:rPr lang="en-US" dirty="0"/>
-                <a:t>PM</a:t>
-              </a:r>
-            </a:p>
-          </p:txBody>
-        </p:sp>
-        <p:cxnSp>
-          <p:nvCxnSpPr>
-            <p:cNvPr id="58" name="Straight Connector 57">
-              <a:extLst>
-                <a:ext uri="{FF2B5EF4-FFF2-40B4-BE49-F238E27FC236}">
-                  <a16:creationId xmlns:a16="http://schemas.microsoft.com/office/drawing/2014/main" id="{C954CB2D-1DA0-46F9-88EC-A52EDD37A623}"/>
-                </a:ext>
-              </a:extLst>
-            </p:cNvPr>
-            <p:cNvCxnSpPr/>
-            <p:nvPr/>
-          </p:nvCxnSpPr>
-          <p:spPr>
-            <a:xfrm>
-              <a:off x="2544232" y="4092002"/>
-              <a:ext cx="4939207" cy="0"/>
-            </a:xfrm>
-            <a:prstGeom prst="line">
-              <a:avLst/>
-            </a:prstGeom>
-          </p:spPr>
-          <p:style>
-            <a:lnRef idx="1">
-              <a:schemeClr val="accent1"/>
-            </a:lnRef>
-            <a:fillRef idx="0">
-              <a:schemeClr val="accent1"/>
-            </a:fillRef>
-            <a:effectRef idx="0">
-              <a:schemeClr val="accent1"/>
-            </a:effectRef>
-            <a:fontRef idx="minor">
-              <a:schemeClr val="tx1"/>
-            </a:fontRef>
-          </p:style>
-        </p:cxnSp>
-        <p:sp>
-          <p:nvSpPr>
-            <p:cNvPr id="59" name="TextBox 58">
-              <a:extLst>
-                <a:ext uri="{FF2B5EF4-FFF2-40B4-BE49-F238E27FC236}">
-                  <a16:creationId xmlns:a16="http://schemas.microsoft.com/office/drawing/2014/main" id="{8ACC1733-BB96-46B9-9672-C7D1CD1A79A1}"/>
-                </a:ext>
-              </a:extLst>
-            </p:cNvPr>
-            <p:cNvSpPr txBox="1"/>
-            <p:nvPr/>
-          </p:nvSpPr>
-          <p:spPr>
-            <a:xfrm>
-              <a:off x="7614617" y="3905335"/>
-              <a:ext cx="1147674" cy="369332"/>
-            </a:xfrm>
-            <a:prstGeom prst="rect">
-              <a:avLst/>
-            </a:prstGeom>
-            <a:noFill/>
-          </p:spPr>
-          <p:txBody>
-            <a:bodyPr wrap="square">
-              <a:spAutoFit/>
-            </a:bodyPr>
-            <a:lstStyle/>
-            <a:p>
-              <a:r>
-                <a:rPr lang="en-US" dirty="0"/>
-                <a:t>Artifact(s)</a:t>
-              </a:r>
-            </a:p>
-          </p:txBody>
-        </p:sp>
-      </p:grpSp>
-      <p:cxnSp>
-        <p:nvCxnSpPr>
-          <p:cNvPr id="61" name="Straight Connector 60">
-            <a:extLst>
-              <a:ext uri="{FF2B5EF4-FFF2-40B4-BE49-F238E27FC236}">
-                <a16:creationId xmlns:a16="http://schemas.microsoft.com/office/drawing/2014/main" id="{E7672EED-8875-47F7-A808-41362BEC8237}"/>
-              </a:ext>
-            </a:extLst>
-          </p:cNvPr>
-          <p:cNvCxnSpPr>
-            <a:cxnSpLocks/>
-          </p:cNvCxnSpPr>
-          <p:nvPr/>
-        </p:nvCxnSpPr>
-        <p:spPr>
-          <a:xfrm flipH="1">
-            <a:off x="2727158" y="3742267"/>
-            <a:ext cx="3341" cy="2796051"/>
-          </a:xfrm>
-          <a:prstGeom prst="line">
-            <a:avLst/>
-          </a:prstGeom>
-        </p:spPr>
-        <p:style>
-          <a:lnRef idx="1">
-            <a:schemeClr val="accent1"/>
-          </a:lnRef>
-          <a:fillRef idx="0">
-            <a:schemeClr val="accent1"/>
-          </a:fillRef>
-          <a:effectRef idx="0">
-            <a:schemeClr val="accent1"/>
-          </a:effectRef>
-          <a:fontRef idx="minor">
-            <a:schemeClr val="tx1"/>
-          </a:fontRef>
-        </p:style>
-      </p:cxnSp>
-      <p:sp>
-        <p:nvSpPr>
-          <p:cNvPr id="63" name="TextBox 62">
-            <a:extLst>
-              <a:ext uri="{FF2B5EF4-FFF2-40B4-BE49-F238E27FC236}">
-                <a16:creationId xmlns:a16="http://schemas.microsoft.com/office/drawing/2014/main" id="{CDE53EC3-3B60-482A-B16A-6E70B216CF03}"/>
-              </a:ext>
-            </a:extLst>
-          </p:cNvPr>
-          <p:cNvSpPr txBox="1"/>
-          <p:nvPr/>
-        </p:nvSpPr>
-        <p:spPr>
-          <a:xfrm>
-            <a:off x="2555194" y="3066570"/>
-            <a:ext cx="360996" cy="369332"/>
-          </a:xfrm>
-          <a:prstGeom prst="rect">
-            <a:avLst/>
-          </a:prstGeom>
-          <a:noFill/>
-        </p:spPr>
-        <p:txBody>
-          <a:bodyPr wrap="none" rtlCol="0">
-            <a:spAutoFit/>
-          </a:bodyPr>
-          <a:lstStyle/>
-          <a:p>
+            <a:br>
+              <a:rPr lang="en-US" dirty="0"/>
+            </a:br>
+            <a:r>
+              <a:rPr lang="en-US" dirty="0">
+                <a:sym typeface="Wingdings" panose="05000000000000000000" pitchFamily="2" charset="2"/>
+              </a:rPr>
+              <a:t> </a:t>
+            </a:r>
+            <a:r>
+              <a:rPr lang="en-US" b="1" dirty="0">
+                <a:sym typeface="Wingdings" panose="05000000000000000000" pitchFamily="2" charset="2"/>
+              </a:rPr>
+              <a:t>Use Case “</a:t>
+            </a:r>
+            <a:r>
+              <a:rPr lang="en-US" b="1" dirty="0"/>
+              <a:t>Run-time Status Report”</a:t>
+            </a:r>
+          </a:p>
+          <a:p>
+            <a:pPr marL="514350" indent="-514350">
+              <a:buFont typeface="+mj-lt"/>
+              <a:buAutoNum type="arabicPeriod"/>
+            </a:pPr>
             <a:r>
               <a:rPr lang="en-US" dirty="0"/>
-              <a:t>PI</a:t>
+              <a:t>Iteration “Charging with Status Report”: Realization of the following use case analog to the MVP:</a:t>
             </a:r>
+            <a:br>
+              <a:rPr lang="en-US" dirty="0"/>
+            </a:br>
+            <a:r>
+              <a:rPr lang="en-US" dirty="0">
+                <a:sym typeface="Wingdings" panose="05000000000000000000" pitchFamily="2" charset="2"/>
+              </a:rPr>
+              <a:t> </a:t>
+            </a:r>
+            <a:r>
+              <a:rPr lang="en-US" b="1" dirty="0">
+                <a:sym typeface="Wingdings" panose="05000000000000000000" pitchFamily="2" charset="2"/>
+              </a:rPr>
+              <a:t>Use Case “</a:t>
+            </a:r>
+            <a:r>
+              <a:rPr lang="en-US" b="1" dirty="0"/>
+              <a:t>Monitor and Control Run-time Status” </a:t>
+            </a:r>
+          </a:p>
+          <a:p>
+            <a:pPr marL="0" indent="0">
+              <a:buNone/>
+            </a:pPr>
+            <a:r>
+              <a:rPr lang="en-US" dirty="0"/>
+              <a:t>All iterations conduct unit tests and system tests of the system running on a PC, and on the Azure Cloud, including the documentation according to </a:t>
+            </a:r>
+            <a:r>
+              <a:rPr lang="en-US" dirty="0" err="1"/>
+              <a:t>SwPDM</a:t>
+            </a:r>
+            <a:r>
+              <a:rPr lang="en-US" dirty="0"/>
+              <a:t>!</a:t>
+            </a:r>
+          </a:p>
+          <a:p>
+            <a:pPr marL="514350" indent="-514350">
+              <a:buFont typeface="+mj-lt"/>
+              <a:buAutoNum type="arabicPeriod"/>
+            </a:pPr>
+            <a:endParaRPr lang="en-US" dirty="0"/>
+          </a:p>
+          <a:p>
+            <a:pPr marL="514350" indent="-514350">
+              <a:buFont typeface="+mj-lt"/>
+              <a:buAutoNum type="arabicPeriod"/>
+            </a:pPr>
+            <a:endParaRPr lang="en-US" dirty="0"/>
+          </a:p>
+          <a:p>
+            <a:pPr marL="514350" indent="-514350">
+              <a:buFont typeface="+mj-lt"/>
+              <a:buAutoNum type="arabicPeriod"/>
+            </a:pPr>
+            <a:endParaRPr lang="en-US" dirty="0"/>
           </a:p>
         </p:txBody>
       </p:sp>
@@ -9807,1157 +9268,6 @@
 </file>
 
 <file path=ppt/slides/slide8.xml><?xml version="1.0" encoding="utf-8"?>
-<p:sld xmlns:a="http://schemas.openxmlformats.org/drawingml/2006/main" xmlns:r="http://schemas.openxmlformats.org/officeDocument/2006/relationships" xmlns:p="http://schemas.openxmlformats.org/presentationml/2006/main">
-  <p:cSld>
-    <p:spTree>
-      <p:nvGrpSpPr>
-        <p:cNvPr id="1" name=""/>
-        <p:cNvGrpSpPr/>
-        <p:nvPr/>
-      </p:nvGrpSpPr>
-      <p:grpSpPr>
-        <a:xfrm>
-          <a:off x="0" y="0"/>
-          <a:ext cx="0" cy="0"/>
-          <a:chOff x="0" y="0"/>
-          <a:chExt cx="0" cy="0"/>
-        </a:xfrm>
-      </p:grpSpPr>
-      <p:sp>
-        <p:nvSpPr>
-          <p:cNvPr id="4" name="Title 3">
-            <a:extLst>
-              <a:ext uri="{FF2B5EF4-FFF2-40B4-BE49-F238E27FC236}">
-                <a16:creationId xmlns:a16="http://schemas.microsoft.com/office/drawing/2014/main" id="{014CC1F4-10DB-463B-8882-A7912A1EE3F0}"/>
-              </a:ext>
-            </a:extLst>
-          </p:cNvPr>
-          <p:cNvSpPr>
-            <a:spLocks noGrp="1"/>
-          </p:cNvSpPr>
-          <p:nvPr>
-            <p:ph type="title"/>
-          </p:nvPr>
-        </p:nvSpPr>
-        <p:spPr/>
-        <p:txBody>
-          <a:bodyPr>
-            <a:normAutofit/>
-          </a:bodyPr>
-          <a:lstStyle/>
-          <a:p>
-            <a:endParaRPr lang="en-US" dirty="0"/>
-          </a:p>
-        </p:txBody>
-      </p:sp>
-      <p:sp>
-        <p:nvSpPr>
-          <p:cNvPr id="2" name="Content Placeholder 1">
-            <a:extLst>
-              <a:ext uri="{FF2B5EF4-FFF2-40B4-BE49-F238E27FC236}">
-                <a16:creationId xmlns:a16="http://schemas.microsoft.com/office/drawing/2014/main" id="{2882320F-57A6-4A07-901D-287CB08C76F3}"/>
-              </a:ext>
-            </a:extLst>
-          </p:cNvPr>
-          <p:cNvSpPr>
-            <a:spLocks noGrp="1"/>
-          </p:cNvSpPr>
-          <p:nvPr>
-            <p:ph idx="1"/>
-          </p:nvPr>
-        </p:nvSpPr>
-        <p:spPr/>
-        <p:txBody>
-          <a:bodyPr>
-            <a:normAutofit/>
-          </a:bodyPr>
-          <a:lstStyle/>
-          <a:p>
-            <a:endParaRPr lang="en-US" dirty="0"/>
-          </a:p>
-          <a:p>
-            <a:r>
-              <a:rPr lang="en-US" dirty="0"/>
-              <a:t> </a:t>
-            </a:r>
-          </a:p>
-        </p:txBody>
-      </p:sp>
-      <p:sp>
-        <p:nvSpPr>
-          <p:cNvPr id="8" name="TextBox 7">
-            <a:extLst>
-              <a:ext uri="{FF2B5EF4-FFF2-40B4-BE49-F238E27FC236}">
-                <a16:creationId xmlns:a16="http://schemas.microsoft.com/office/drawing/2014/main" id="{569032D9-E0C1-48AF-9966-23B8FD2B3812}"/>
-              </a:ext>
-            </a:extLst>
-          </p:cNvPr>
-          <p:cNvSpPr txBox="1"/>
-          <p:nvPr/>
-        </p:nvSpPr>
-        <p:spPr>
-          <a:xfrm>
-            <a:off x="4076791" y="3918956"/>
-            <a:ext cx="1139094" cy="646331"/>
-          </a:xfrm>
-          <a:prstGeom prst="rect">
-            <a:avLst/>
-          </a:prstGeom>
-          <a:noFill/>
-        </p:spPr>
-        <p:txBody>
-          <a:bodyPr wrap="none" rtlCol="0">
-            <a:spAutoFit/>
-          </a:bodyPr>
-          <a:lstStyle/>
-          <a:p>
-            <a:r>
-              <a:rPr lang="en-US" sz="3600" dirty="0" err="1">
-                <a:solidFill>
-                  <a:srgbClr val="FF0000"/>
-                </a:solidFill>
-                <a:effectLst>
-                  <a:outerShdw blurRad="38100" dist="38100" dir="2700000" algn="tl">
-                    <a:srgbClr val="000000">
-                      <a:alpha val="43137"/>
-                    </a:srgbClr>
-                  </a:outerShdw>
-                </a:effectLst>
-              </a:rPr>
-              <a:t>ToDo</a:t>
-            </a:r>
-            <a:endParaRPr lang="en-US" sz="3600" dirty="0">
-              <a:solidFill>
-                <a:srgbClr val="FF0000"/>
-              </a:solidFill>
-              <a:effectLst>
-                <a:outerShdw blurRad="38100" dist="38100" dir="2700000" algn="tl">
-                  <a:srgbClr val="000000">
-                    <a:alpha val="43137"/>
-                  </a:srgbClr>
-                </a:outerShdw>
-              </a:effectLst>
-            </a:endParaRPr>
-          </a:p>
-        </p:txBody>
-      </p:sp>
-      <p:grpSp>
-        <p:nvGrpSpPr>
-          <p:cNvPr id="27" name="Group 26">
-            <a:extLst>
-              <a:ext uri="{FF2B5EF4-FFF2-40B4-BE49-F238E27FC236}">
-                <a16:creationId xmlns:a16="http://schemas.microsoft.com/office/drawing/2014/main" id="{76E60C9C-DB76-4D6D-81FA-F65EB5A674AB}"/>
-              </a:ext>
-            </a:extLst>
-          </p:cNvPr>
-          <p:cNvGrpSpPr/>
-          <p:nvPr/>
-        </p:nvGrpSpPr>
-        <p:grpSpPr>
-          <a:xfrm>
-            <a:off x="8821937" y="3278440"/>
-            <a:ext cx="1039444" cy="927653"/>
-            <a:chOff x="8196943" y="3429000"/>
-            <a:chExt cx="1039444" cy="927653"/>
-          </a:xfrm>
-        </p:grpSpPr>
-        <p:sp>
-          <p:nvSpPr>
-            <p:cNvPr id="15" name="Isosceles Triangle 14">
-              <a:extLst>
-                <a:ext uri="{FF2B5EF4-FFF2-40B4-BE49-F238E27FC236}">
-                  <a16:creationId xmlns:a16="http://schemas.microsoft.com/office/drawing/2014/main" id="{E29DD698-18FE-472B-807D-DFA88A57C176}"/>
-                </a:ext>
-              </a:extLst>
-            </p:cNvPr>
-            <p:cNvSpPr/>
-            <p:nvPr/>
-          </p:nvSpPr>
-          <p:spPr>
-            <a:xfrm>
-              <a:off x="8339669" y="3429000"/>
-              <a:ext cx="524934" cy="482600"/>
-            </a:xfrm>
-            <a:prstGeom prst="triangle">
-              <a:avLst/>
-            </a:prstGeom>
-            <a:solidFill>
-              <a:schemeClr val="accent4">
-                <a:lumMod val="75000"/>
-              </a:schemeClr>
-            </a:solidFill>
-          </p:spPr>
-          <p:style>
-            <a:lnRef idx="2">
-              <a:schemeClr val="accent1">
-                <a:shade val="50000"/>
-              </a:schemeClr>
-            </a:lnRef>
-            <a:fillRef idx="1">
-              <a:schemeClr val="accent1"/>
-            </a:fillRef>
-            <a:effectRef idx="0">
-              <a:schemeClr val="accent1"/>
-            </a:effectRef>
-            <a:fontRef idx="minor">
-              <a:schemeClr val="lt1"/>
-            </a:fontRef>
-          </p:style>
-          <p:txBody>
-            <a:bodyPr rtlCol="0" anchor="ctr"/>
-            <a:lstStyle/>
-            <a:p>
-              <a:pPr algn="ctr"/>
-              <a:endParaRPr lang="en-US"/>
-            </a:p>
-          </p:txBody>
-        </p:sp>
-        <p:sp>
-          <p:nvSpPr>
-            <p:cNvPr id="18" name="TextBox 17">
-              <a:extLst>
-                <a:ext uri="{FF2B5EF4-FFF2-40B4-BE49-F238E27FC236}">
-                  <a16:creationId xmlns:a16="http://schemas.microsoft.com/office/drawing/2014/main" id="{3497AF33-0B35-4483-9434-8C3651D20266}"/>
-                </a:ext>
-              </a:extLst>
-            </p:cNvPr>
-            <p:cNvSpPr txBox="1"/>
-            <p:nvPr/>
-          </p:nvSpPr>
-          <p:spPr>
-            <a:xfrm>
-              <a:off x="8196943" y="3833433"/>
-              <a:ext cx="1039444" cy="523220"/>
-            </a:xfrm>
-            <a:prstGeom prst="rect">
-              <a:avLst/>
-            </a:prstGeom>
-            <a:noFill/>
-          </p:spPr>
-          <p:txBody>
-            <a:bodyPr wrap="square" rtlCol="0">
-              <a:spAutoFit/>
-            </a:bodyPr>
-            <a:lstStyle/>
-            <a:p>
-              <a:r>
-                <a:rPr lang="en-US" sz="2800" dirty="0">
-                  <a:solidFill>
-                    <a:schemeClr val="accent4">
-                      <a:lumMod val="75000"/>
-                    </a:schemeClr>
-                  </a:solidFill>
-                  <a:effectLst>
-                    <a:outerShdw blurRad="38100" dist="38100" dir="2700000" algn="tl">
-                      <a:srgbClr val="000000">
-                        <a:alpha val="43137"/>
-                      </a:srgbClr>
-                    </a:outerShdw>
-                  </a:effectLst>
-                </a:rPr>
-                <a:t>V1.0</a:t>
-              </a:r>
-            </a:p>
-          </p:txBody>
-        </p:sp>
-      </p:grpSp>
-      <p:grpSp>
-        <p:nvGrpSpPr>
-          <p:cNvPr id="28" name="Group 27">
-            <a:extLst>
-              <a:ext uri="{FF2B5EF4-FFF2-40B4-BE49-F238E27FC236}">
-                <a16:creationId xmlns:a16="http://schemas.microsoft.com/office/drawing/2014/main" id="{CCFC65E9-EB9C-4D5D-97F7-54D1ACB4D7B4}"/>
-              </a:ext>
-            </a:extLst>
-          </p:cNvPr>
-          <p:cNvGrpSpPr/>
-          <p:nvPr/>
-        </p:nvGrpSpPr>
-        <p:grpSpPr>
-          <a:xfrm>
-            <a:off x="2544232" y="3412655"/>
-            <a:ext cx="4571673" cy="329612"/>
-            <a:chOff x="2544232" y="3412655"/>
-            <a:chExt cx="4571673" cy="329612"/>
-          </a:xfrm>
-        </p:grpSpPr>
-        <p:sp>
-          <p:nvSpPr>
-            <p:cNvPr id="9" name="Isosceles Triangle 8">
-              <a:extLst>
-                <a:ext uri="{FF2B5EF4-FFF2-40B4-BE49-F238E27FC236}">
-                  <a16:creationId xmlns:a16="http://schemas.microsoft.com/office/drawing/2014/main" id="{5B883ED2-847E-4E02-A7E7-9512BF50135D}"/>
-                </a:ext>
-              </a:extLst>
-            </p:cNvPr>
-            <p:cNvSpPr/>
-            <p:nvPr/>
-          </p:nvSpPr>
-          <p:spPr>
-            <a:xfrm>
-              <a:off x="2544232" y="3425959"/>
-              <a:ext cx="372533" cy="316308"/>
-            </a:xfrm>
-            <a:prstGeom prst="triangle">
-              <a:avLst/>
-            </a:prstGeom>
-          </p:spPr>
-          <p:style>
-            <a:lnRef idx="2">
-              <a:schemeClr val="accent1">
-                <a:shade val="50000"/>
-              </a:schemeClr>
-            </a:lnRef>
-            <a:fillRef idx="1">
-              <a:schemeClr val="accent1"/>
-            </a:fillRef>
-            <a:effectRef idx="0">
-              <a:schemeClr val="accent1"/>
-            </a:effectRef>
-            <a:fontRef idx="minor">
-              <a:schemeClr val="lt1"/>
-            </a:fontRef>
-          </p:style>
-          <p:txBody>
-            <a:bodyPr rtlCol="0" anchor="ctr"/>
-            <a:lstStyle/>
-            <a:p>
-              <a:pPr algn="ctr"/>
-              <a:endParaRPr lang="en-US"/>
-            </a:p>
-          </p:txBody>
-        </p:sp>
-        <p:sp>
-          <p:nvSpPr>
-            <p:cNvPr id="10" name="Isosceles Triangle 9">
-              <a:extLst>
-                <a:ext uri="{FF2B5EF4-FFF2-40B4-BE49-F238E27FC236}">
-                  <a16:creationId xmlns:a16="http://schemas.microsoft.com/office/drawing/2014/main" id="{F888DBFD-140D-4789-A2D5-2203839A3DAC}"/>
-                </a:ext>
-              </a:extLst>
-            </p:cNvPr>
-            <p:cNvSpPr/>
-            <p:nvPr/>
-          </p:nvSpPr>
-          <p:spPr>
-            <a:xfrm>
-              <a:off x="3249247" y="3425959"/>
-              <a:ext cx="372533" cy="316308"/>
-            </a:xfrm>
-            <a:prstGeom prst="triangle">
-              <a:avLst/>
-            </a:prstGeom>
-          </p:spPr>
-          <p:style>
-            <a:lnRef idx="2">
-              <a:schemeClr val="accent1">
-                <a:shade val="50000"/>
-              </a:schemeClr>
-            </a:lnRef>
-            <a:fillRef idx="1">
-              <a:schemeClr val="accent1"/>
-            </a:fillRef>
-            <a:effectRef idx="0">
-              <a:schemeClr val="accent1"/>
-            </a:effectRef>
-            <a:fontRef idx="minor">
-              <a:schemeClr val="lt1"/>
-            </a:fontRef>
-          </p:style>
-          <p:txBody>
-            <a:bodyPr rtlCol="0" anchor="ctr"/>
-            <a:lstStyle/>
-            <a:p>
-              <a:pPr algn="ctr"/>
-              <a:endParaRPr lang="en-US"/>
-            </a:p>
-          </p:txBody>
-        </p:sp>
-        <p:sp>
-          <p:nvSpPr>
-            <p:cNvPr id="20" name="Isosceles Triangle 19">
-              <a:extLst>
-                <a:ext uri="{FF2B5EF4-FFF2-40B4-BE49-F238E27FC236}">
-                  <a16:creationId xmlns:a16="http://schemas.microsoft.com/office/drawing/2014/main" id="{1CE4E9B7-8574-4EC7-AADA-18D590FA7E7C}"/>
-                </a:ext>
-              </a:extLst>
-            </p:cNvPr>
-            <p:cNvSpPr/>
-            <p:nvPr/>
-          </p:nvSpPr>
-          <p:spPr>
-            <a:xfrm>
-              <a:off x="3954262" y="3425959"/>
-              <a:ext cx="372533" cy="316308"/>
-            </a:xfrm>
-            <a:prstGeom prst="triangle">
-              <a:avLst/>
-            </a:prstGeom>
-          </p:spPr>
-          <p:style>
-            <a:lnRef idx="2">
-              <a:schemeClr val="accent1">
-                <a:shade val="50000"/>
-              </a:schemeClr>
-            </a:lnRef>
-            <a:fillRef idx="1">
-              <a:schemeClr val="accent1"/>
-            </a:fillRef>
-            <a:effectRef idx="0">
-              <a:schemeClr val="accent1"/>
-            </a:effectRef>
-            <a:fontRef idx="minor">
-              <a:schemeClr val="lt1"/>
-            </a:fontRef>
-          </p:style>
-          <p:txBody>
-            <a:bodyPr rtlCol="0" anchor="ctr"/>
-            <a:lstStyle/>
-            <a:p>
-              <a:pPr algn="ctr"/>
-              <a:endParaRPr lang="en-US"/>
-            </a:p>
-          </p:txBody>
-        </p:sp>
-        <p:sp>
-          <p:nvSpPr>
-            <p:cNvPr id="22" name="Isosceles Triangle 21">
-              <a:extLst>
-                <a:ext uri="{FF2B5EF4-FFF2-40B4-BE49-F238E27FC236}">
-                  <a16:creationId xmlns:a16="http://schemas.microsoft.com/office/drawing/2014/main" id="{4AA8CD09-54D0-4BA8-ACE5-12E0C930A730}"/>
-                </a:ext>
-              </a:extLst>
-            </p:cNvPr>
-            <p:cNvSpPr/>
-            <p:nvPr/>
-          </p:nvSpPr>
-          <p:spPr>
-            <a:xfrm>
-              <a:off x="4638713" y="3425959"/>
-              <a:ext cx="372533" cy="316308"/>
-            </a:xfrm>
-            <a:prstGeom prst="triangle">
-              <a:avLst/>
-            </a:prstGeom>
-          </p:spPr>
-          <p:style>
-            <a:lnRef idx="2">
-              <a:schemeClr val="accent1">
-                <a:shade val="50000"/>
-              </a:schemeClr>
-            </a:lnRef>
-            <a:fillRef idx="1">
-              <a:schemeClr val="accent1"/>
-            </a:fillRef>
-            <a:effectRef idx="0">
-              <a:schemeClr val="accent1"/>
-            </a:effectRef>
-            <a:fontRef idx="minor">
-              <a:schemeClr val="lt1"/>
-            </a:fontRef>
-          </p:style>
-          <p:txBody>
-            <a:bodyPr rtlCol="0" anchor="ctr"/>
-            <a:lstStyle/>
-            <a:p>
-              <a:pPr algn="ctr"/>
-              <a:endParaRPr lang="en-US"/>
-            </a:p>
-          </p:txBody>
-        </p:sp>
-        <p:sp>
-          <p:nvSpPr>
-            <p:cNvPr id="23" name="Isosceles Triangle 22">
-              <a:extLst>
-                <a:ext uri="{FF2B5EF4-FFF2-40B4-BE49-F238E27FC236}">
-                  <a16:creationId xmlns:a16="http://schemas.microsoft.com/office/drawing/2014/main" id="{DD587CB8-57DE-46BA-ACE6-3505D66031E6}"/>
-                </a:ext>
-              </a:extLst>
-            </p:cNvPr>
-            <p:cNvSpPr/>
-            <p:nvPr/>
-          </p:nvSpPr>
-          <p:spPr>
-            <a:xfrm>
-              <a:off x="5343728" y="3425959"/>
-              <a:ext cx="372533" cy="316308"/>
-            </a:xfrm>
-            <a:prstGeom prst="triangle">
-              <a:avLst/>
-            </a:prstGeom>
-          </p:spPr>
-          <p:style>
-            <a:lnRef idx="2">
-              <a:schemeClr val="accent1">
-                <a:shade val="50000"/>
-              </a:schemeClr>
-            </a:lnRef>
-            <a:fillRef idx="1">
-              <a:schemeClr val="accent1"/>
-            </a:fillRef>
-            <a:effectRef idx="0">
-              <a:schemeClr val="accent1"/>
-            </a:effectRef>
-            <a:fontRef idx="minor">
-              <a:schemeClr val="lt1"/>
-            </a:fontRef>
-          </p:style>
-          <p:txBody>
-            <a:bodyPr rtlCol="0" anchor="ctr"/>
-            <a:lstStyle/>
-            <a:p>
-              <a:pPr algn="ctr"/>
-              <a:endParaRPr lang="en-US"/>
-            </a:p>
-          </p:txBody>
-        </p:sp>
-        <p:sp>
-          <p:nvSpPr>
-            <p:cNvPr id="25" name="Isosceles Triangle 24">
-              <a:extLst>
-                <a:ext uri="{FF2B5EF4-FFF2-40B4-BE49-F238E27FC236}">
-                  <a16:creationId xmlns:a16="http://schemas.microsoft.com/office/drawing/2014/main" id="{F15AB703-10F6-40B7-AE82-6A7D8CC12798}"/>
-                </a:ext>
-              </a:extLst>
-            </p:cNvPr>
-            <p:cNvSpPr/>
-            <p:nvPr/>
-          </p:nvSpPr>
-          <p:spPr>
-            <a:xfrm>
-              <a:off x="6038357" y="3412655"/>
-              <a:ext cx="372533" cy="316308"/>
-            </a:xfrm>
-            <a:prstGeom prst="triangle">
-              <a:avLst/>
-            </a:prstGeom>
-          </p:spPr>
-          <p:style>
-            <a:lnRef idx="2">
-              <a:schemeClr val="accent1">
-                <a:shade val="50000"/>
-              </a:schemeClr>
-            </a:lnRef>
-            <a:fillRef idx="1">
-              <a:schemeClr val="accent1"/>
-            </a:fillRef>
-            <a:effectRef idx="0">
-              <a:schemeClr val="accent1"/>
-            </a:effectRef>
-            <a:fontRef idx="minor">
-              <a:schemeClr val="lt1"/>
-            </a:fontRef>
-          </p:style>
-          <p:txBody>
-            <a:bodyPr rtlCol="0" anchor="ctr"/>
-            <a:lstStyle/>
-            <a:p>
-              <a:pPr algn="ctr"/>
-              <a:endParaRPr lang="en-US"/>
-            </a:p>
-          </p:txBody>
-        </p:sp>
-        <p:sp>
-          <p:nvSpPr>
-            <p:cNvPr id="26" name="Isosceles Triangle 25">
-              <a:extLst>
-                <a:ext uri="{FF2B5EF4-FFF2-40B4-BE49-F238E27FC236}">
-                  <a16:creationId xmlns:a16="http://schemas.microsoft.com/office/drawing/2014/main" id="{01EC05D7-8072-42B5-974B-0FEFBF0BBCC9}"/>
-                </a:ext>
-              </a:extLst>
-            </p:cNvPr>
-            <p:cNvSpPr/>
-            <p:nvPr/>
-          </p:nvSpPr>
-          <p:spPr>
-            <a:xfrm>
-              <a:off x="6743372" y="3412655"/>
-              <a:ext cx="372533" cy="316308"/>
-            </a:xfrm>
-            <a:prstGeom prst="triangle">
-              <a:avLst/>
-            </a:prstGeom>
-          </p:spPr>
-          <p:style>
-            <a:lnRef idx="2">
-              <a:schemeClr val="accent1">
-                <a:shade val="50000"/>
-              </a:schemeClr>
-            </a:lnRef>
-            <a:fillRef idx="1">
-              <a:schemeClr val="accent1"/>
-            </a:fillRef>
-            <a:effectRef idx="0">
-              <a:schemeClr val="accent1"/>
-            </a:effectRef>
-            <a:fontRef idx="minor">
-              <a:schemeClr val="lt1"/>
-            </a:fontRef>
-          </p:style>
-          <p:txBody>
-            <a:bodyPr rtlCol="0" anchor="ctr"/>
-            <a:lstStyle/>
-            <a:p>
-              <a:pPr algn="ctr"/>
-              <a:endParaRPr lang="en-US"/>
-            </a:p>
-          </p:txBody>
-        </p:sp>
-      </p:grpSp>
-      <p:grpSp>
-        <p:nvGrpSpPr>
-          <p:cNvPr id="48" name="Group 47">
-            <a:extLst>
-              <a:ext uri="{FF2B5EF4-FFF2-40B4-BE49-F238E27FC236}">
-                <a16:creationId xmlns:a16="http://schemas.microsoft.com/office/drawing/2014/main" id="{5CB27572-F71F-4DE1-8513-EB6BB4977F23}"/>
-              </a:ext>
-            </a:extLst>
-          </p:cNvPr>
-          <p:cNvGrpSpPr/>
-          <p:nvPr/>
-        </p:nvGrpSpPr>
-        <p:grpSpPr>
-          <a:xfrm>
-            <a:off x="1481429" y="4021427"/>
-            <a:ext cx="7059633" cy="369332"/>
-            <a:chOff x="1461246" y="3905335"/>
-            <a:chExt cx="7059633" cy="369332"/>
-          </a:xfrm>
-        </p:grpSpPr>
-        <p:sp>
-          <p:nvSpPr>
-            <p:cNvPr id="49" name="TextBox 48">
-              <a:extLst>
-                <a:ext uri="{FF2B5EF4-FFF2-40B4-BE49-F238E27FC236}">
-                  <a16:creationId xmlns:a16="http://schemas.microsoft.com/office/drawing/2014/main" id="{8EAF689C-6DC1-466B-AD4D-FE65D0341867}"/>
-                </a:ext>
-              </a:extLst>
-            </p:cNvPr>
-            <p:cNvSpPr txBox="1"/>
-            <p:nvPr/>
-          </p:nvSpPr>
-          <p:spPr>
-            <a:xfrm>
-              <a:off x="1461246" y="3905335"/>
-              <a:ext cx="906262" cy="369332"/>
-            </a:xfrm>
-            <a:prstGeom prst="rect">
-              <a:avLst/>
-            </a:prstGeom>
-            <a:noFill/>
-          </p:spPr>
-          <p:txBody>
-            <a:bodyPr wrap="square">
-              <a:spAutoFit/>
-            </a:bodyPr>
-            <a:lstStyle/>
-            <a:p>
-              <a:r>
-                <a:rPr lang="en-US" dirty="0"/>
-                <a:t>Epic:1</a:t>
-              </a:r>
-            </a:p>
-          </p:txBody>
-        </p:sp>
-        <p:cxnSp>
-          <p:nvCxnSpPr>
-            <p:cNvPr id="50" name="Straight Connector 49">
-              <a:extLst>
-                <a:ext uri="{FF2B5EF4-FFF2-40B4-BE49-F238E27FC236}">
-                  <a16:creationId xmlns:a16="http://schemas.microsoft.com/office/drawing/2014/main" id="{65632BEB-95B8-46E2-AE8B-C1AB22AED5E1}"/>
-                </a:ext>
-              </a:extLst>
-            </p:cNvPr>
-            <p:cNvCxnSpPr/>
-            <p:nvPr/>
-          </p:nvCxnSpPr>
-          <p:spPr>
-            <a:xfrm>
-              <a:off x="2544232" y="4092002"/>
-              <a:ext cx="4939207" cy="0"/>
-            </a:xfrm>
-            <a:prstGeom prst="line">
-              <a:avLst/>
-            </a:prstGeom>
-          </p:spPr>
-          <p:style>
-            <a:lnRef idx="1">
-              <a:schemeClr val="accent1"/>
-            </a:lnRef>
-            <a:fillRef idx="0">
-              <a:schemeClr val="accent1"/>
-            </a:fillRef>
-            <a:effectRef idx="0">
-              <a:schemeClr val="accent1"/>
-            </a:effectRef>
-            <a:fontRef idx="minor">
-              <a:schemeClr val="tx1"/>
-            </a:fontRef>
-          </p:style>
-        </p:cxnSp>
-        <p:sp>
-          <p:nvSpPr>
-            <p:cNvPr id="51" name="TextBox 50">
-              <a:extLst>
-                <a:ext uri="{FF2B5EF4-FFF2-40B4-BE49-F238E27FC236}">
-                  <a16:creationId xmlns:a16="http://schemas.microsoft.com/office/drawing/2014/main" id="{A8C509F8-7D84-4650-98EA-DDF7EE712468}"/>
-                </a:ext>
-              </a:extLst>
-            </p:cNvPr>
-            <p:cNvSpPr txBox="1"/>
-            <p:nvPr/>
-          </p:nvSpPr>
-          <p:spPr>
-            <a:xfrm>
-              <a:off x="7614617" y="3905335"/>
-              <a:ext cx="906262" cy="369332"/>
-            </a:xfrm>
-            <a:prstGeom prst="rect">
-              <a:avLst/>
-            </a:prstGeom>
-            <a:noFill/>
-          </p:spPr>
-          <p:txBody>
-            <a:bodyPr wrap="square">
-              <a:spAutoFit/>
-            </a:bodyPr>
-            <a:lstStyle/>
-            <a:p>
-              <a:r>
-                <a:rPr lang="en-US" dirty="0"/>
-                <a:t>Artifact</a:t>
-              </a:r>
-            </a:p>
-          </p:txBody>
-        </p:sp>
-      </p:grpSp>
-      <p:grpSp>
-        <p:nvGrpSpPr>
-          <p:cNvPr id="52" name="Group 51">
-            <a:extLst>
-              <a:ext uri="{FF2B5EF4-FFF2-40B4-BE49-F238E27FC236}">
-                <a16:creationId xmlns:a16="http://schemas.microsoft.com/office/drawing/2014/main" id="{9327CED7-8B1D-4698-8E20-315775214A8D}"/>
-              </a:ext>
-            </a:extLst>
-          </p:cNvPr>
-          <p:cNvGrpSpPr/>
-          <p:nvPr/>
-        </p:nvGrpSpPr>
-        <p:grpSpPr>
-          <a:xfrm>
-            <a:off x="1481429" y="4385396"/>
-            <a:ext cx="7059633" cy="369332"/>
-            <a:chOff x="1461246" y="3905335"/>
-            <a:chExt cx="7059633" cy="369332"/>
-          </a:xfrm>
-        </p:grpSpPr>
-        <p:sp>
-          <p:nvSpPr>
-            <p:cNvPr id="53" name="TextBox 52">
-              <a:extLst>
-                <a:ext uri="{FF2B5EF4-FFF2-40B4-BE49-F238E27FC236}">
-                  <a16:creationId xmlns:a16="http://schemas.microsoft.com/office/drawing/2014/main" id="{5164D545-6F33-4F15-BFE4-AA6F3EBEB7A8}"/>
-                </a:ext>
-              </a:extLst>
-            </p:cNvPr>
-            <p:cNvSpPr txBox="1"/>
-            <p:nvPr/>
-          </p:nvSpPr>
-          <p:spPr>
-            <a:xfrm>
-              <a:off x="1461246" y="3905335"/>
-              <a:ext cx="906262" cy="369332"/>
-            </a:xfrm>
-            <a:prstGeom prst="rect">
-              <a:avLst/>
-            </a:prstGeom>
-            <a:noFill/>
-          </p:spPr>
-          <p:txBody>
-            <a:bodyPr wrap="square">
-              <a:spAutoFit/>
-            </a:bodyPr>
-            <a:lstStyle/>
-            <a:p>
-              <a:r>
-                <a:rPr lang="en-US" dirty="0"/>
-                <a:t>Epic:1</a:t>
-              </a:r>
-            </a:p>
-          </p:txBody>
-        </p:sp>
-        <p:cxnSp>
-          <p:nvCxnSpPr>
-            <p:cNvPr id="54" name="Straight Connector 53">
-              <a:extLst>
-                <a:ext uri="{FF2B5EF4-FFF2-40B4-BE49-F238E27FC236}">
-                  <a16:creationId xmlns:a16="http://schemas.microsoft.com/office/drawing/2014/main" id="{3AB07B6B-8389-40E0-9886-FAE0F4F9595A}"/>
-                </a:ext>
-              </a:extLst>
-            </p:cNvPr>
-            <p:cNvCxnSpPr/>
-            <p:nvPr/>
-          </p:nvCxnSpPr>
-          <p:spPr>
-            <a:xfrm>
-              <a:off x="2544232" y="4092002"/>
-              <a:ext cx="4939207" cy="0"/>
-            </a:xfrm>
-            <a:prstGeom prst="line">
-              <a:avLst/>
-            </a:prstGeom>
-          </p:spPr>
-          <p:style>
-            <a:lnRef idx="1">
-              <a:schemeClr val="accent1"/>
-            </a:lnRef>
-            <a:fillRef idx="0">
-              <a:schemeClr val="accent1"/>
-            </a:fillRef>
-            <a:effectRef idx="0">
-              <a:schemeClr val="accent1"/>
-            </a:effectRef>
-            <a:fontRef idx="minor">
-              <a:schemeClr val="tx1"/>
-            </a:fontRef>
-          </p:style>
-        </p:cxnSp>
-        <p:sp>
-          <p:nvSpPr>
-            <p:cNvPr id="55" name="TextBox 54">
-              <a:extLst>
-                <a:ext uri="{FF2B5EF4-FFF2-40B4-BE49-F238E27FC236}">
-                  <a16:creationId xmlns:a16="http://schemas.microsoft.com/office/drawing/2014/main" id="{239E6CB7-3994-4C5E-9EE5-BF88F66623D9}"/>
-                </a:ext>
-              </a:extLst>
-            </p:cNvPr>
-            <p:cNvSpPr txBox="1"/>
-            <p:nvPr/>
-          </p:nvSpPr>
-          <p:spPr>
-            <a:xfrm>
-              <a:off x="7614617" y="3905335"/>
-              <a:ext cx="906262" cy="369332"/>
-            </a:xfrm>
-            <a:prstGeom prst="rect">
-              <a:avLst/>
-            </a:prstGeom>
-            <a:noFill/>
-          </p:spPr>
-          <p:txBody>
-            <a:bodyPr wrap="square">
-              <a:spAutoFit/>
-            </a:bodyPr>
-            <a:lstStyle/>
-            <a:p>
-              <a:r>
-                <a:rPr lang="en-US" dirty="0"/>
-                <a:t>Artifact</a:t>
-              </a:r>
-            </a:p>
-          </p:txBody>
-        </p:sp>
-      </p:grpSp>
-      <p:grpSp>
-        <p:nvGrpSpPr>
-          <p:cNvPr id="56" name="Group 55">
-            <a:extLst>
-              <a:ext uri="{FF2B5EF4-FFF2-40B4-BE49-F238E27FC236}">
-                <a16:creationId xmlns:a16="http://schemas.microsoft.com/office/drawing/2014/main" id="{8B6CE43A-CEC8-486F-86DB-8BA6CC9FB30A}"/>
-              </a:ext>
-            </a:extLst>
-          </p:cNvPr>
-          <p:cNvGrpSpPr/>
-          <p:nvPr/>
-        </p:nvGrpSpPr>
-        <p:grpSpPr>
-          <a:xfrm>
-            <a:off x="1481429" y="4748004"/>
-            <a:ext cx="7059633" cy="369332"/>
-            <a:chOff x="1461246" y="3905335"/>
-            <a:chExt cx="7059633" cy="369332"/>
-          </a:xfrm>
-        </p:grpSpPr>
-        <p:sp>
-          <p:nvSpPr>
-            <p:cNvPr id="57" name="TextBox 56">
-              <a:extLst>
-                <a:ext uri="{FF2B5EF4-FFF2-40B4-BE49-F238E27FC236}">
-                  <a16:creationId xmlns:a16="http://schemas.microsoft.com/office/drawing/2014/main" id="{7C339F57-98E3-48FD-8F2A-D82E11CDB307}"/>
-                </a:ext>
-              </a:extLst>
-            </p:cNvPr>
-            <p:cNvSpPr txBox="1"/>
-            <p:nvPr/>
-          </p:nvSpPr>
-          <p:spPr>
-            <a:xfrm>
-              <a:off x="1461246" y="3905335"/>
-              <a:ext cx="906262" cy="369332"/>
-            </a:xfrm>
-            <a:prstGeom prst="rect">
-              <a:avLst/>
-            </a:prstGeom>
-            <a:noFill/>
-          </p:spPr>
-          <p:txBody>
-            <a:bodyPr wrap="square">
-              <a:spAutoFit/>
-            </a:bodyPr>
-            <a:lstStyle/>
-            <a:p>
-              <a:r>
-                <a:rPr lang="en-US" dirty="0"/>
-                <a:t>Epic:1</a:t>
-              </a:r>
-            </a:p>
-          </p:txBody>
-        </p:sp>
-        <p:cxnSp>
-          <p:nvCxnSpPr>
-            <p:cNvPr id="58" name="Straight Connector 57">
-              <a:extLst>
-                <a:ext uri="{FF2B5EF4-FFF2-40B4-BE49-F238E27FC236}">
-                  <a16:creationId xmlns:a16="http://schemas.microsoft.com/office/drawing/2014/main" id="{C954CB2D-1DA0-46F9-88EC-A52EDD37A623}"/>
-                </a:ext>
-              </a:extLst>
-            </p:cNvPr>
-            <p:cNvCxnSpPr/>
-            <p:nvPr/>
-          </p:nvCxnSpPr>
-          <p:spPr>
-            <a:xfrm>
-              <a:off x="2544232" y="4092002"/>
-              <a:ext cx="4939207" cy="0"/>
-            </a:xfrm>
-            <a:prstGeom prst="line">
-              <a:avLst/>
-            </a:prstGeom>
-          </p:spPr>
-          <p:style>
-            <a:lnRef idx="1">
-              <a:schemeClr val="accent1"/>
-            </a:lnRef>
-            <a:fillRef idx="0">
-              <a:schemeClr val="accent1"/>
-            </a:fillRef>
-            <a:effectRef idx="0">
-              <a:schemeClr val="accent1"/>
-            </a:effectRef>
-            <a:fontRef idx="minor">
-              <a:schemeClr val="tx1"/>
-            </a:fontRef>
-          </p:style>
-        </p:cxnSp>
-        <p:sp>
-          <p:nvSpPr>
-            <p:cNvPr id="59" name="TextBox 58">
-              <a:extLst>
-                <a:ext uri="{FF2B5EF4-FFF2-40B4-BE49-F238E27FC236}">
-                  <a16:creationId xmlns:a16="http://schemas.microsoft.com/office/drawing/2014/main" id="{8ACC1733-BB96-46B9-9672-C7D1CD1A79A1}"/>
-                </a:ext>
-              </a:extLst>
-            </p:cNvPr>
-            <p:cNvSpPr txBox="1"/>
-            <p:nvPr/>
-          </p:nvSpPr>
-          <p:spPr>
-            <a:xfrm>
-              <a:off x="7614617" y="3905335"/>
-              <a:ext cx="906262" cy="369332"/>
-            </a:xfrm>
-            <a:prstGeom prst="rect">
-              <a:avLst/>
-            </a:prstGeom>
-            <a:noFill/>
-          </p:spPr>
-          <p:txBody>
-            <a:bodyPr wrap="square">
-              <a:spAutoFit/>
-            </a:bodyPr>
-            <a:lstStyle/>
-            <a:p>
-              <a:r>
-                <a:rPr lang="en-US" dirty="0"/>
-                <a:t>Artifact</a:t>
-              </a:r>
-            </a:p>
-          </p:txBody>
-        </p:sp>
-      </p:grpSp>
-      <p:cxnSp>
-        <p:nvCxnSpPr>
-          <p:cNvPr id="61" name="Straight Connector 60">
-            <a:extLst>
-              <a:ext uri="{FF2B5EF4-FFF2-40B4-BE49-F238E27FC236}">
-                <a16:creationId xmlns:a16="http://schemas.microsoft.com/office/drawing/2014/main" id="{E7672EED-8875-47F7-A808-41362BEC8237}"/>
-              </a:ext>
-            </a:extLst>
-          </p:cNvPr>
-          <p:cNvCxnSpPr>
-            <a:stCxn id="9" idx="3"/>
-          </p:cNvCxnSpPr>
-          <p:nvPr/>
-        </p:nvCxnSpPr>
-        <p:spPr>
-          <a:xfrm flipH="1">
-            <a:off x="2727158" y="3742267"/>
-            <a:ext cx="3341" cy="2796051"/>
-          </a:xfrm>
-          <a:prstGeom prst="line">
-            <a:avLst/>
-          </a:prstGeom>
-        </p:spPr>
-        <p:style>
-          <a:lnRef idx="1">
-            <a:schemeClr val="accent1"/>
-          </a:lnRef>
-          <a:fillRef idx="0">
-            <a:schemeClr val="accent1"/>
-          </a:fillRef>
-          <a:effectRef idx="0">
-            <a:schemeClr val="accent1"/>
-          </a:effectRef>
-          <a:fontRef idx="minor">
-            <a:schemeClr val="tx1"/>
-          </a:fontRef>
-        </p:style>
-      </p:cxnSp>
-      <p:sp>
-        <p:nvSpPr>
-          <p:cNvPr id="62" name="Oval 61">
-            <a:extLst>
-              <a:ext uri="{FF2B5EF4-FFF2-40B4-BE49-F238E27FC236}">
-                <a16:creationId xmlns:a16="http://schemas.microsoft.com/office/drawing/2014/main" id="{AAC31D33-AF6A-42E2-9D07-50C97FC7C103}"/>
-              </a:ext>
-            </a:extLst>
-          </p:cNvPr>
-          <p:cNvSpPr/>
-          <p:nvPr/>
-        </p:nvSpPr>
-        <p:spPr>
-          <a:xfrm>
-            <a:off x="2619134" y="4110742"/>
-            <a:ext cx="248199" cy="184666"/>
-          </a:xfrm>
-          <a:prstGeom prst="ellipse">
-            <a:avLst/>
-          </a:prstGeom>
-          <a:solidFill>
-            <a:schemeClr val="accent2">
-              <a:lumMod val="75000"/>
-            </a:schemeClr>
-          </a:solidFill>
-        </p:spPr>
-        <p:style>
-          <a:lnRef idx="2">
-            <a:schemeClr val="accent1">
-              <a:shade val="50000"/>
-            </a:schemeClr>
-          </a:lnRef>
-          <a:fillRef idx="1">
-            <a:schemeClr val="accent1"/>
-          </a:fillRef>
-          <a:effectRef idx="0">
-            <a:schemeClr val="accent1"/>
-          </a:effectRef>
-          <a:fontRef idx="minor">
-            <a:schemeClr val="lt1"/>
-          </a:fontRef>
-        </p:style>
-        <p:txBody>
-          <a:bodyPr rtlCol="0" anchor="ctr"/>
-          <a:lstStyle/>
-          <a:p>
-            <a:pPr algn="ctr"/>
-            <a:endParaRPr lang="en-US"/>
-          </a:p>
-        </p:txBody>
-      </p:sp>
-      <p:sp>
-        <p:nvSpPr>
-          <p:cNvPr id="63" name="TextBox 62">
-            <a:extLst>
-              <a:ext uri="{FF2B5EF4-FFF2-40B4-BE49-F238E27FC236}">
-                <a16:creationId xmlns:a16="http://schemas.microsoft.com/office/drawing/2014/main" id="{CDE53EC3-3B60-482A-B16A-6E70B216CF03}"/>
-              </a:ext>
-            </a:extLst>
-          </p:cNvPr>
-          <p:cNvSpPr txBox="1"/>
-          <p:nvPr/>
-        </p:nvSpPr>
-        <p:spPr>
-          <a:xfrm>
-            <a:off x="2555194" y="3066570"/>
-            <a:ext cx="360996" cy="369332"/>
-          </a:xfrm>
-          <a:prstGeom prst="rect">
-            <a:avLst/>
-          </a:prstGeom>
-          <a:noFill/>
-        </p:spPr>
-        <p:txBody>
-          <a:bodyPr wrap="none" rtlCol="0">
-            <a:spAutoFit/>
-          </a:bodyPr>
-          <a:lstStyle/>
-          <a:p>
-            <a:r>
-              <a:rPr lang="en-US" dirty="0"/>
-              <a:t>PI</a:t>
-            </a:r>
-          </a:p>
-        </p:txBody>
-      </p:sp>
-      <p:sp>
-        <p:nvSpPr>
-          <p:cNvPr id="64" name="TextBox 63">
-            <a:extLst>
-              <a:ext uri="{FF2B5EF4-FFF2-40B4-BE49-F238E27FC236}">
-                <a16:creationId xmlns:a16="http://schemas.microsoft.com/office/drawing/2014/main" id="{B310118E-5135-4880-A44D-BEBCFD3751C5}"/>
-              </a:ext>
-            </a:extLst>
-          </p:cNvPr>
-          <p:cNvSpPr txBox="1"/>
-          <p:nvPr/>
-        </p:nvSpPr>
-        <p:spPr>
-          <a:xfrm>
-            <a:off x="2402784" y="3829140"/>
-            <a:ext cx="309700" cy="369332"/>
-          </a:xfrm>
-          <a:prstGeom prst="rect">
-            <a:avLst/>
-          </a:prstGeom>
-          <a:noFill/>
-        </p:spPr>
-        <p:txBody>
-          <a:bodyPr wrap="none" rtlCol="0">
-            <a:spAutoFit/>
-          </a:bodyPr>
-          <a:lstStyle/>
-          <a:p>
-            <a:r>
-              <a:rPr lang="en-US" dirty="0"/>
-              <a:t>R</a:t>
-            </a:r>
-          </a:p>
-        </p:txBody>
-      </p:sp>
-    </p:spTree>
-    <p:extLst>
-      <p:ext uri="{BB962C8B-B14F-4D97-AF65-F5344CB8AC3E}">
-        <p14:creationId xmlns:p14="http://schemas.microsoft.com/office/powerpoint/2010/main" val="456881112"/>
-      </p:ext>
-    </p:extLst>
-  </p:cSld>
-  <p:clrMapOvr>
-    <a:masterClrMapping/>
-  </p:clrMapOvr>
-</p:sld>
-</file>
-
-<file path=ppt/slides/slide9.xml><?xml version="1.0" encoding="utf-8"?>
 <p:sld xmlns:a="http://schemas.openxmlformats.org/drawingml/2006/main" xmlns:r="http://schemas.openxmlformats.org/officeDocument/2006/relationships" xmlns:p="http://schemas.openxmlformats.org/presentationml/2006/main">
   <p:cSld>
     <p:spTree>
@@ -13620,9 +11930,9 @@
         <p:grpSpPr>
           <a:xfrm>
             <a:off x="1543620" y="3546571"/>
-            <a:ext cx="2734356" cy="1214110"/>
+            <a:ext cx="2734356" cy="1429554"/>
             <a:chOff x="1332186" y="3502257"/>
-            <a:chExt cx="2734356" cy="1214110"/>
+            <a:chExt cx="2734356" cy="1429554"/>
           </a:xfrm>
         </p:grpSpPr>
         <p:grpSp>
@@ -13771,7 +12081,7 @@
           <p:spPr>
             <a:xfrm>
               <a:off x="1349347" y="4193147"/>
-              <a:ext cx="2717195" cy="523220"/>
+              <a:ext cx="2717195" cy="738664"/>
             </a:xfrm>
             <a:prstGeom prst="rect">
               <a:avLst/>
@@ -13806,7 +12116,7 @@
                     </a:schemeClr>
                   </a:solidFill>
                 </a:rPr>
-                <a:t>Architecture Design Specification</a:t>
+                <a:t>EDUp-FORDCS-V1.0-Architecture Design-v2022.03-1.pptx</a:t>
               </a:r>
             </a:p>
           </p:txBody>
@@ -13826,7 +12136,7 @@
         </p:nvGrpSpPr>
         <p:grpSpPr>
           <a:xfrm>
-            <a:off x="2004153" y="4754890"/>
+            <a:off x="1986809" y="5003484"/>
             <a:ext cx="2104005" cy="1029610"/>
             <a:chOff x="1786775" y="5174307"/>
             <a:chExt cx="2104005" cy="1029610"/>
@@ -17445,6 +15755,118 @@
 </p:sld>
 </file>
 
+<file path=ppt/slides/slide9.xml><?xml version="1.0" encoding="utf-8"?>
+<p:sld xmlns:a="http://schemas.openxmlformats.org/drawingml/2006/main" xmlns:r="http://schemas.openxmlformats.org/officeDocument/2006/relationships" xmlns:p="http://schemas.openxmlformats.org/presentationml/2006/main">
+  <p:cSld>
+    <p:spTree>
+      <p:nvGrpSpPr>
+        <p:cNvPr id="1" name=""/>
+        <p:cNvGrpSpPr/>
+        <p:nvPr/>
+      </p:nvGrpSpPr>
+      <p:grpSpPr>
+        <a:xfrm>
+          <a:off x="0" y="0"/>
+          <a:ext cx="0" cy="0"/>
+          <a:chOff x="0" y="0"/>
+          <a:chExt cx="0" cy="0"/>
+        </a:xfrm>
+      </p:grpSpPr>
+      <p:sp>
+        <p:nvSpPr>
+          <p:cNvPr id="4" name="Title 3">
+            <a:extLst>
+              <a:ext uri="{FF2B5EF4-FFF2-40B4-BE49-F238E27FC236}">
+                <a16:creationId xmlns:a16="http://schemas.microsoft.com/office/drawing/2014/main" id="{D5CDEF2B-EEF2-46CE-B9CE-2968635BFF21}"/>
+              </a:ext>
+            </a:extLst>
+          </p:cNvPr>
+          <p:cNvSpPr>
+            <a:spLocks noGrp="1"/>
+          </p:cNvSpPr>
+          <p:nvPr>
+            <p:ph type="title"/>
+          </p:nvPr>
+        </p:nvSpPr>
+        <p:spPr/>
+        <p:txBody>
+          <a:bodyPr/>
+          <a:lstStyle/>
+          <a:p>
+            <a:r>
+              <a:rPr lang="en-US" dirty="0"/>
+              <a:t>Additional Considerations</a:t>
+            </a:r>
+          </a:p>
+        </p:txBody>
+      </p:sp>
+      <p:sp>
+        <p:nvSpPr>
+          <p:cNvPr id="5" name="Content Placeholder 4">
+            <a:extLst>
+              <a:ext uri="{FF2B5EF4-FFF2-40B4-BE49-F238E27FC236}">
+                <a16:creationId xmlns:a16="http://schemas.microsoft.com/office/drawing/2014/main" id="{A4D4CC32-962D-4DD9-B303-F69E37185EE8}"/>
+              </a:ext>
+            </a:extLst>
+          </p:cNvPr>
+          <p:cNvSpPr>
+            <a:spLocks noGrp="1"/>
+          </p:cNvSpPr>
+          <p:nvPr>
+            <p:ph idx="1"/>
+          </p:nvPr>
+        </p:nvSpPr>
+        <p:spPr/>
+        <p:txBody>
+          <a:bodyPr/>
+          <a:lstStyle/>
+          <a:p>
+            <a:r>
+              <a:rPr lang="en-US" dirty="0"/>
+              <a:t>Implementation of the MVP Is the most critical one, since it is the first vertical (full-stack) implementation of the system.</a:t>
+            </a:r>
+          </a:p>
+          <a:p>
+            <a:r>
+              <a:rPr lang="en-US" dirty="0"/>
+              <a:t>The MVP has a “role model” regarding to implementation, test, deployment, and documentation, therefore, its realization will take longer than the follow-up iterations.</a:t>
+            </a:r>
+          </a:p>
+          <a:p>
+            <a:r>
+              <a:rPr lang="en-US" dirty="0"/>
+              <a:t>How-</a:t>
+            </a:r>
+            <a:r>
+              <a:rPr lang="en-US" dirty="0" err="1"/>
+              <a:t>To’s</a:t>
+            </a:r>
+            <a:r>
+              <a:rPr lang="en-US" dirty="0"/>
+              <a:t> should be created and added to the documentation!</a:t>
+            </a:r>
+          </a:p>
+          <a:p>
+            <a:r>
+              <a:rPr lang="en-US" dirty="0"/>
+              <a:t>The documentation scope is the PowerPoint slides in the first 3 iteration!</a:t>
+            </a:r>
+          </a:p>
+        </p:txBody>
+      </p:sp>
+    </p:spTree>
+    <p:extLst>
+      <p:ext uri="{BB962C8B-B14F-4D97-AF65-F5344CB8AC3E}">
+        <p14:creationId xmlns:p14="http://schemas.microsoft.com/office/powerpoint/2010/main" val="217788147"/>
+      </p:ext>
+    </p:extLst>
+  </p:cSld>
+  <p:clrMapOvr>
+    <a:masterClrMapping/>
+  </p:clrMapOvr>
+</p:sld>
+</file>
+
 <file path=ppt/theme/theme1.xml><?xml version="1.0" encoding="utf-8"?>
 <a:theme xmlns:a="http://schemas.openxmlformats.org/drawingml/2006/main" name="Office Theme">
   <a:themeElements>
